--- a/exampleSite/static/images/Drangsal.pptx
+++ b/exampleSite/static/images/Drangsal.pptx
@@ -6,6 +6,8 @@
   </p:sldMasterIdLst>
   <p:sldIdLst>
     <p:sldId id="256" r:id="rId2"/>
+    <p:sldId id="257" r:id="rId3"/>
+    <p:sldId id="258" r:id="rId4"/>
   </p:sldIdLst>
   <p:sldSz cx="12192000" cy="6858000"/>
   <p:notesSz cx="6858000" cy="9144000"/>
@@ -270,7 +272,7 @@
           <a:p>
             <a:fld id="{736C6C49-06F9-4E7B-B074-B8C4F9C77D79}" type="datetimeFigureOut">
               <a:rPr lang="de-DE" smtClean="0"/>
-              <a:t>03.03.2024</a:t>
+              <a:t>26.05.2024</a:t>
             </a:fld>
             <a:endParaRPr lang="de-DE"/>
           </a:p>
@@ -468,7 +470,7 @@
           <a:p>
             <a:fld id="{736C6C49-06F9-4E7B-B074-B8C4F9C77D79}" type="datetimeFigureOut">
               <a:rPr lang="de-DE" smtClean="0"/>
-              <a:t>03.03.2024</a:t>
+              <a:t>26.05.2024</a:t>
             </a:fld>
             <a:endParaRPr lang="de-DE"/>
           </a:p>
@@ -676,7 +678,7 @@
           <a:p>
             <a:fld id="{736C6C49-06F9-4E7B-B074-B8C4F9C77D79}" type="datetimeFigureOut">
               <a:rPr lang="de-DE" smtClean="0"/>
-              <a:t>03.03.2024</a:t>
+              <a:t>26.05.2024</a:t>
             </a:fld>
             <a:endParaRPr lang="de-DE"/>
           </a:p>
@@ -874,7 +876,7 @@
           <a:p>
             <a:fld id="{736C6C49-06F9-4E7B-B074-B8C4F9C77D79}" type="datetimeFigureOut">
               <a:rPr lang="de-DE" smtClean="0"/>
-              <a:t>03.03.2024</a:t>
+              <a:t>26.05.2024</a:t>
             </a:fld>
             <a:endParaRPr lang="de-DE"/>
           </a:p>
@@ -1149,7 +1151,7 @@
           <a:p>
             <a:fld id="{736C6C49-06F9-4E7B-B074-B8C4F9C77D79}" type="datetimeFigureOut">
               <a:rPr lang="de-DE" smtClean="0"/>
-              <a:t>03.03.2024</a:t>
+              <a:t>26.05.2024</a:t>
             </a:fld>
             <a:endParaRPr lang="de-DE"/>
           </a:p>
@@ -1414,7 +1416,7 @@
           <a:p>
             <a:fld id="{736C6C49-06F9-4E7B-B074-B8C4F9C77D79}" type="datetimeFigureOut">
               <a:rPr lang="de-DE" smtClean="0"/>
-              <a:t>03.03.2024</a:t>
+              <a:t>26.05.2024</a:t>
             </a:fld>
             <a:endParaRPr lang="de-DE"/>
           </a:p>
@@ -1826,7 +1828,7 @@
           <a:p>
             <a:fld id="{736C6C49-06F9-4E7B-B074-B8C4F9C77D79}" type="datetimeFigureOut">
               <a:rPr lang="de-DE" smtClean="0"/>
-              <a:t>03.03.2024</a:t>
+              <a:t>26.05.2024</a:t>
             </a:fld>
             <a:endParaRPr lang="de-DE"/>
           </a:p>
@@ -1967,7 +1969,7 @@
           <a:p>
             <a:fld id="{736C6C49-06F9-4E7B-B074-B8C4F9C77D79}" type="datetimeFigureOut">
               <a:rPr lang="de-DE" smtClean="0"/>
-              <a:t>03.03.2024</a:t>
+              <a:t>26.05.2024</a:t>
             </a:fld>
             <a:endParaRPr lang="de-DE"/>
           </a:p>
@@ -2080,7 +2082,7 @@
           <a:p>
             <a:fld id="{736C6C49-06F9-4E7B-B074-B8C4F9C77D79}" type="datetimeFigureOut">
               <a:rPr lang="de-DE" smtClean="0"/>
-              <a:t>03.03.2024</a:t>
+              <a:t>26.05.2024</a:t>
             </a:fld>
             <a:endParaRPr lang="de-DE"/>
           </a:p>
@@ -2391,7 +2393,7 @@
           <a:p>
             <a:fld id="{736C6C49-06F9-4E7B-B074-B8C4F9C77D79}" type="datetimeFigureOut">
               <a:rPr lang="de-DE" smtClean="0"/>
-              <a:t>03.03.2024</a:t>
+              <a:t>26.05.2024</a:t>
             </a:fld>
             <a:endParaRPr lang="de-DE"/>
           </a:p>
@@ -2679,7 +2681,7 @@
           <a:p>
             <a:fld id="{736C6C49-06F9-4E7B-B074-B8C4F9C77D79}" type="datetimeFigureOut">
               <a:rPr lang="de-DE" smtClean="0"/>
-              <a:t>03.03.2024</a:t>
+              <a:t>26.05.2024</a:t>
             </a:fld>
             <a:endParaRPr lang="de-DE"/>
           </a:p>
@@ -2920,7 +2922,7 @@
           <a:p>
             <a:fld id="{736C6C49-06F9-4E7B-B074-B8C4F9C77D79}" type="datetimeFigureOut">
               <a:rPr lang="de-DE" smtClean="0"/>
-              <a:t>03.03.2024</a:t>
+              <a:t>26.05.2024</a:t>
             </a:fld>
             <a:endParaRPr lang="de-DE"/>
           </a:p>
@@ -4778,10 +4780,3215 @@
           </a:fontRef>
         </p:style>
       </p:cxnSp>
+      <p:sp>
+        <p:nvSpPr>
+          <p:cNvPr id="3" name="Textfeld 2">
+            <a:extLst>
+              <a:ext uri="{FF2B5EF4-FFF2-40B4-BE49-F238E27FC236}">
+                <a16:creationId xmlns:a16="http://schemas.microsoft.com/office/drawing/2014/main" id="{B739B5BD-2F87-4DCE-DDAC-C5A0ED2A687F}"/>
+              </a:ext>
+            </a:extLst>
+          </p:cNvPr>
+          <p:cNvSpPr txBox="1"/>
+          <p:nvPr/>
+        </p:nvSpPr>
+        <p:spPr>
+          <a:xfrm>
+            <a:off x="3048000" y="3246792"/>
+            <a:ext cx="6096000" cy="369332"/>
+          </a:xfrm>
+          <a:prstGeom prst="rect">
+            <a:avLst/>
+          </a:prstGeom>
+          <a:noFill/>
+        </p:spPr>
+        <p:txBody>
+          <a:bodyPr wrap="square">
+            <a:spAutoFit/>
+          </a:bodyPr>
+          <a:lstStyle/>
+          <a:p>
+            <a:r>
+              <a:rPr lang="de-DE" dirty="0" err="1"/>
+              <a:t>prev</a:t>
+            </a:r>
+            <a:r>
+              <a:rPr lang="de-DE" dirty="0"/>
+              <a:t>: /</a:t>
+            </a:r>
+            <a:r>
+              <a:rPr lang="de-DE" dirty="0" err="1"/>
+              <a:t>content</a:t>
+            </a:r>
+            <a:r>
+              <a:rPr lang="de-DE" dirty="0"/>
+              <a:t>/</a:t>
+            </a:r>
+            <a:r>
+              <a:rPr lang="de-DE" dirty="0" err="1"/>
+              <a:t>seals</a:t>
+            </a:r>
+            <a:r>
+              <a:rPr lang="de-DE" dirty="0"/>
+              <a:t>/quick</a:t>
+            </a:r>
+          </a:p>
+        </p:txBody>
+      </p:sp>
     </p:spTree>
     <p:extLst>
       <p:ext uri="{BB962C8B-B14F-4D97-AF65-F5344CB8AC3E}">
         <p14:creationId xmlns:p14="http://schemas.microsoft.com/office/powerpoint/2010/main" val="523813399"/>
+      </p:ext>
+    </p:extLst>
+  </p:cSld>
+  <p:clrMapOvr>
+    <a:masterClrMapping/>
+  </p:clrMapOvr>
+</p:sld>
+</file>
+
+<file path=ppt/slides/slide2.xml><?xml version="1.0" encoding="utf-8"?>
+<p:sld xmlns:a="http://schemas.openxmlformats.org/drawingml/2006/main" xmlns:r="http://schemas.openxmlformats.org/officeDocument/2006/relationships" xmlns:p="http://schemas.openxmlformats.org/presentationml/2006/main">
+  <p:cSld>
+    <p:spTree>
+      <p:nvGrpSpPr>
+        <p:cNvPr id="1" name=""/>
+        <p:cNvGrpSpPr/>
+        <p:nvPr/>
+      </p:nvGrpSpPr>
+      <p:grpSpPr>
+        <a:xfrm>
+          <a:off x="0" y="0"/>
+          <a:ext cx="0" cy="0"/>
+          <a:chOff x="0" y="0"/>
+          <a:chExt cx="0" cy="0"/>
+        </a:xfrm>
+      </p:grpSpPr>
+      <p:sp>
+        <p:nvSpPr>
+          <p:cNvPr id="4" name="Rechteck 3">
+            <a:extLst>
+              <a:ext uri="{FF2B5EF4-FFF2-40B4-BE49-F238E27FC236}">
+                <a16:creationId xmlns:a16="http://schemas.microsoft.com/office/drawing/2014/main" id="{F37BF950-26FE-96B1-EDBA-B1F0DE7CB435}"/>
+              </a:ext>
+            </a:extLst>
+          </p:cNvPr>
+          <p:cNvSpPr/>
+          <p:nvPr/>
+        </p:nvSpPr>
+        <p:spPr>
+          <a:xfrm>
+            <a:off x="585408" y="652842"/>
+            <a:ext cx="1550890" cy="914400"/>
+          </a:xfrm>
+          <a:prstGeom prst="rect">
+            <a:avLst/>
+          </a:prstGeom>
+          <a:solidFill>
+            <a:srgbClr val="00B050"/>
+          </a:solidFill>
+        </p:spPr>
+        <p:style>
+          <a:lnRef idx="2">
+            <a:schemeClr val="accent1">
+              <a:shade val="15000"/>
+            </a:schemeClr>
+          </a:lnRef>
+          <a:fillRef idx="1">
+            <a:schemeClr val="accent1"/>
+          </a:fillRef>
+          <a:effectRef idx="0">
+            <a:schemeClr val="accent1"/>
+          </a:effectRef>
+          <a:fontRef idx="minor">
+            <a:schemeClr val="lt1"/>
+          </a:fontRef>
+        </p:style>
+        <p:txBody>
+          <a:bodyPr rtlCol="0" anchor="ctr"/>
+          <a:lstStyle/>
+          <a:p>
+            <a:pPr algn="ctr"/>
+            <a:r>
+              <a:rPr lang="de-DE" dirty="0"/>
+              <a:t>Israel</a:t>
+            </a:r>
+          </a:p>
+          <a:p>
+            <a:pPr algn="ctr"/>
+            <a:r>
+              <a:rPr lang="de-DE" dirty="0" err="1"/>
+              <a:t>obedience</a:t>
+            </a:r>
+            <a:endParaRPr lang="de-DE" dirty="0"/>
+          </a:p>
+        </p:txBody>
+      </p:sp>
+      <p:sp>
+        <p:nvSpPr>
+          <p:cNvPr id="5" name="Rechteck 4">
+            <a:extLst>
+              <a:ext uri="{FF2B5EF4-FFF2-40B4-BE49-F238E27FC236}">
+                <a16:creationId xmlns:a16="http://schemas.microsoft.com/office/drawing/2014/main" id="{AF73D45F-C436-0962-56E6-F2D2446BC064}"/>
+              </a:ext>
+            </a:extLst>
+          </p:cNvPr>
+          <p:cNvSpPr/>
+          <p:nvPr/>
+        </p:nvSpPr>
+        <p:spPr>
+          <a:xfrm>
+            <a:off x="9749554" y="1889575"/>
+            <a:ext cx="1471401" cy="914400"/>
+          </a:xfrm>
+          <a:prstGeom prst="rect">
+            <a:avLst/>
+          </a:prstGeom>
+          <a:solidFill>
+            <a:srgbClr val="FF0000"/>
+          </a:solidFill>
+        </p:spPr>
+        <p:style>
+          <a:lnRef idx="2">
+            <a:schemeClr val="accent1">
+              <a:shade val="15000"/>
+            </a:schemeClr>
+          </a:lnRef>
+          <a:fillRef idx="1">
+            <a:schemeClr val="accent1"/>
+          </a:fillRef>
+          <a:effectRef idx="0">
+            <a:schemeClr val="accent1"/>
+          </a:effectRef>
+          <a:fontRef idx="minor">
+            <a:schemeClr val="lt1"/>
+          </a:fontRef>
+        </p:style>
+        <p:txBody>
+          <a:bodyPr rtlCol="0" anchor="ctr"/>
+          <a:lstStyle/>
+          <a:p>
+            <a:pPr algn="ctr"/>
+            <a:r>
+              <a:rPr lang="de-DE" dirty="0" err="1"/>
+              <a:t>suffering</a:t>
+            </a:r>
+            <a:endParaRPr lang="de-DE" dirty="0"/>
+          </a:p>
+        </p:txBody>
+      </p:sp>
+      <p:sp>
+        <p:nvSpPr>
+          <p:cNvPr id="8" name="Rechteck 7">
+            <a:extLst>
+              <a:ext uri="{FF2B5EF4-FFF2-40B4-BE49-F238E27FC236}">
+                <a16:creationId xmlns:a16="http://schemas.microsoft.com/office/drawing/2014/main" id="{8E8CEEF7-70ED-9187-D8AA-D0180EF8BC77}"/>
+              </a:ext>
+            </a:extLst>
+          </p:cNvPr>
+          <p:cNvSpPr/>
+          <p:nvPr/>
+        </p:nvSpPr>
+        <p:spPr>
+          <a:xfrm>
+            <a:off x="6365734" y="652842"/>
+            <a:ext cx="1700676" cy="914400"/>
+          </a:xfrm>
+          <a:prstGeom prst="rect">
+            <a:avLst/>
+          </a:prstGeom>
+          <a:solidFill>
+            <a:srgbClr val="FF0000"/>
+          </a:solidFill>
+        </p:spPr>
+        <p:style>
+          <a:lnRef idx="2">
+            <a:schemeClr val="accent1">
+              <a:shade val="15000"/>
+            </a:schemeClr>
+          </a:lnRef>
+          <a:fillRef idx="1">
+            <a:schemeClr val="accent1"/>
+          </a:fillRef>
+          <a:effectRef idx="0">
+            <a:schemeClr val="accent1"/>
+          </a:effectRef>
+          <a:fontRef idx="minor">
+            <a:schemeClr val="lt1"/>
+          </a:fontRef>
+        </p:style>
+        <p:txBody>
+          <a:bodyPr rtlCol="0" anchor="ctr"/>
+          <a:lstStyle/>
+          <a:p>
+            <a:pPr algn="ctr"/>
+            <a:r>
+              <a:rPr lang="de-DE" dirty="0"/>
+              <a:t>Satan/</a:t>
+            </a:r>
+            <a:r>
+              <a:rPr lang="de-DE" dirty="0" err="1"/>
+              <a:t>enemiesattack</a:t>
+            </a:r>
+            <a:endParaRPr lang="de-DE" dirty="0"/>
+          </a:p>
+        </p:txBody>
+      </p:sp>
+      <p:sp>
+        <p:nvSpPr>
+          <p:cNvPr id="9" name="Rechteck 8">
+            <a:extLst>
+              <a:ext uri="{FF2B5EF4-FFF2-40B4-BE49-F238E27FC236}">
+                <a16:creationId xmlns:a16="http://schemas.microsoft.com/office/drawing/2014/main" id="{3C2EE9FD-D6C8-BC75-65BA-E5CAF2D77B9E}"/>
+              </a:ext>
+            </a:extLst>
+          </p:cNvPr>
+          <p:cNvSpPr/>
+          <p:nvPr/>
+        </p:nvSpPr>
+        <p:spPr>
+          <a:xfrm>
+            <a:off x="3515315" y="652842"/>
+            <a:ext cx="1471401" cy="914400"/>
+          </a:xfrm>
+          <a:prstGeom prst="rect">
+            <a:avLst/>
+          </a:prstGeom>
+          <a:solidFill>
+            <a:srgbClr val="00B050"/>
+          </a:solidFill>
+        </p:spPr>
+        <p:style>
+          <a:lnRef idx="2">
+            <a:schemeClr val="accent1">
+              <a:shade val="15000"/>
+            </a:schemeClr>
+          </a:lnRef>
+          <a:fillRef idx="1">
+            <a:schemeClr val="accent1"/>
+          </a:fillRef>
+          <a:effectRef idx="0">
+            <a:schemeClr val="accent1"/>
+          </a:effectRef>
+          <a:fontRef idx="minor">
+            <a:schemeClr val="lt1"/>
+          </a:fontRef>
+        </p:style>
+        <p:txBody>
+          <a:bodyPr rtlCol="0" anchor="ctr"/>
+          <a:lstStyle/>
+          <a:p>
+            <a:pPr algn="ctr"/>
+            <a:r>
+              <a:rPr lang="de-DE" dirty="0" err="1"/>
+              <a:t>God</a:t>
+            </a:r>
+            <a:r>
+              <a:rPr lang="de-DE" dirty="0"/>
+              <a:t> </a:t>
+            </a:r>
+            <a:r>
+              <a:rPr lang="de-DE" dirty="0" err="1"/>
+              <a:t>protects</a:t>
+            </a:r>
+            <a:endParaRPr lang="de-DE" dirty="0"/>
+          </a:p>
+        </p:txBody>
+      </p:sp>
+      <p:sp>
+        <p:nvSpPr>
+          <p:cNvPr id="10" name="Rechteck 9">
+            <a:extLst>
+              <a:ext uri="{FF2B5EF4-FFF2-40B4-BE49-F238E27FC236}">
+                <a16:creationId xmlns:a16="http://schemas.microsoft.com/office/drawing/2014/main" id="{833A7F83-D07D-78C9-8C88-122FEE6E0A47}"/>
+              </a:ext>
+            </a:extLst>
+          </p:cNvPr>
+          <p:cNvSpPr/>
+          <p:nvPr/>
+        </p:nvSpPr>
+        <p:spPr>
+          <a:xfrm>
+            <a:off x="577316" y="1889575"/>
+            <a:ext cx="1550890" cy="914400"/>
+          </a:xfrm>
+          <a:prstGeom prst="rect">
+            <a:avLst/>
+          </a:prstGeom>
+          <a:solidFill>
+            <a:srgbClr val="FF0000"/>
+          </a:solidFill>
+        </p:spPr>
+        <p:style>
+          <a:lnRef idx="2">
+            <a:schemeClr val="accent1">
+              <a:shade val="15000"/>
+            </a:schemeClr>
+          </a:lnRef>
+          <a:fillRef idx="1">
+            <a:schemeClr val="accent1"/>
+          </a:fillRef>
+          <a:effectRef idx="0">
+            <a:schemeClr val="accent1"/>
+          </a:effectRef>
+          <a:fontRef idx="minor">
+            <a:schemeClr val="lt1"/>
+          </a:fontRef>
+        </p:style>
+        <p:txBody>
+          <a:bodyPr rtlCol="0" anchor="ctr"/>
+          <a:lstStyle/>
+          <a:p>
+            <a:pPr algn="ctr"/>
+            <a:r>
+              <a:rPr lang="de-DE" dirty="0"/>
+              <a:t>Israel</a:t>
+            </a:r>
+          </a:p>
+          <a:p>
+            <a:pPr algn="ctr"/>
+            <a:r>
+              <a:rPr lang="de-DE" dirty="0" err="1"/>
+              <a:t>disobedience</a:t>
+            </a:r>
+            <a:endParaRPr lang="de-DE" dirty="0"/>
+          </a:p>
+        </p:txBody>
+      </p:sp>
+      <p:sp>
+        <p:nvSpPr>
+          <p:cNvPr id="11" name="Rechteck 10">
+            <a:extLst>
+              <a:ext uri="{FF2B5EF4-FFF2-40B4-BE49-F238E27FC236}">
+                <a16:creationId xmlns:a16="http://schemas.microsoft.com/office/drawing/2014/main" id="{32038946-B65B-E5F8-4B3F-0372EF553707}"/>
+              </a:ext>
+            </a:extLst>
+          </p:cNvPr>
+          <p:cNvSpPr/>
+          <p:nvPr/>
+        </p:nvSpPr>
+        <p:spPr>
+          <a:xfrm>
+            <a:off x="9749554" y="652842"/>
+            <a:ext cx="1471401" cy="914400"/>
+          </a:xfrm>
+          <a:prstGeom prst="rect">
+            <a:avLst/>
+          </a:prstGeom>
+          <a:solidFill>
+            <a:srgbClr val="00B050"/>
+          </a:solidFill>
+        </p:spPr>
+        <p:style>
+          <a:lnRef idx="2">
+            <a:schemeClr val="accent1">
+              <a:shade val="15000"/>
+            </a:schemeClr>
+          </a:lnRef>
+          <a:fillRef idx="1">
+            <a:schemeClr val="accent1"/>
+          </a:fillRef>
+          <a:effectRef idx="0">
+            <a:schemeClr val="accent1"/>
+          </a:effectRef>
+          <a:fontRef idx="minor">
+            <a:schemeClr val="lt1"/>
+          </a:fontRef>
+        </p:style>
+        <p:txBody>
+          <a:bodyPr rtlCol="0" anchor="ctr"/>
+          <a:lstStyle/>
+          <a:p>
+            <a:pPr algn="ctr"/>
+            <a:r>
+              <a:rPr lang="de-DE" dirty="0"/>
+              <a:t>Gods </a:t>
+            </a:r>
+            <a:r>
+              <a:rPr lang="de-DE" dirty="0" err="1"/>
+              <a:t>blessing</a:t>
+            </a:r>
+            <a:endParaRPr lang="de-DE" dirty="0"/>
+          </a:p>
+        </p:txBody>
+      </p:sp>
+      <p:sp>
+        <p:nvSpPr>
+          <p:cNvPr id="12" name="Rechteck 11">
+            <a:extLst>
+              <a:ext uri="{FF2B5EF4-FFF2-40B4-BE49-F238E27FC236}">
+                <a16:creationId xmlns:a16="http://schemas.microsoft.com/office/drawing/2014/main" id="{7BCBD252-29F1-EB45-6A90-82D8FE377E8A}"/>
+              </a:ext>
+            </a:extLst>
+          </p:cNvPr>
+          <p:cNvSpPr/>
+          <p:nvPr/>
+        </p:nvSpPr>
+        <p:spPr>
+          <a:xfrm>
+            <a:off x="3515315" y="1889575"/>
+            <a:ext cx="1471401" cy="914400"/>
+          </a:xfrm>
+          <a:prstGeom prst="rect">
+            <a:avLst/>
+          </a:prstGeom>
+          <a:solidFill>
+            <a:srgbClr val="FF0000"/>
+          </a:solidFill>
+        </p:spPr>
+        <p:style>
+          <a:lnRef idx="2">
+            <a:schemeClr val="accent1">
+              <a:shade val="15000"/>
+            </a:schemeClr>
+          </a:lnRef>
+          <a:fillRef idx="1">
+            <a:schemeClr val="accent1"/>
+          </a:fillRef>
+          <a:effectRef idx="0">
+            <a:schemeClr val="accent1"/>
+          </a:effectRef>
+          <a:fontRef idx="minor">
+            <a:schemeClr val="lt1"/>
+          </a:fontRef>
+        </p:style>
+        <p:txBody>
+          <a:bodyPr rtlCol="0" anchor="ctr"/>
+          <a:lstStyle/>
+          <a:p>
+            <a:pPr algn="ctr"/>
+            <a:r>
+              <a:rPr lang="de-DE" dirty="0" err="1"/>
+              <a:t>God</a:t>
+            </a:r>
+            <a:r>
+              <a:rPr lang="de-DE" dirty="0"/>
+              <a:t> </a:t>
+            </a:r>
+            <a:r>
+              <a:rPr lang="de-DE" dirty="0" err="1"/>
+              <a:t>punishes</a:t>
+            </a:r>
+            <a:endParaRPr lang="de-DE" dirty="0"/>
+          </a:p>
+        </p:txBody>
+      </p:sp>
+      <p:sp>
+        <p:nvSpPr>
+          <p:cNvPr id="13" name="Rechteck 12">
+            <a:extLst>
+              <a:ext uri="{FF2B5EF4-FFF2-40B4-BE49-F238E27FC236}">
+                <a16:creationId xmlns:a16="http://schemas.microsoft.com/office/drawing/2014/main" id="{4B4A73B1-013D-5F86-AA10-124D92AD97DE}"/>
+              </a:ext>
+            </a:extLst>
+          </p:cNvPr>
+          <p:cNvSpPr/>
+          <p:nvPr/>
+        </p:nvSpPr>
+        <p:spPr>
+          <a:xfrm>
+            <a:off x="6365734" y="1889575"/>
+            <a:ext cx="1700676" cy="914400"/>
+          </a:xfrm>
+          <a:prstGeom prst="rect">
+            <a:avLst/>
+          </a:prstGeom>
+          <a:solidFill>
+            <a:srgbClr val="FF0000"/>
+          </a:solidFill>
+        </p:spPr>
+        <p:style>
+          <a:lnRef idx="2">
+            <a:schemeClr val="accent1">
+              <a:shade val="15000"/>
+            </a:schemeClr>
+          </a:lnRef>
+          <a:fillRef idx="1">
+            <a:schemeClr val="accent1"/>
+          </a:fillRef>
+          <a:effectRef idx="0">
+            <a:schemeClr val="accent1"/>
+          </a:effectRef>
+          <a:fontRef idx="minor">
+            <a:schemeClr val="lt1"/>
+          </a:fontRef>
+        </p:style>
+        <p:txBody>
+          <a:bodyPr rtlCol="0" anchor="ctr"/>
+          <a:lstStyle/>
+          <a:p>
+            <a:pPr algn="ctr"/>
+            <a:r>
+              <a:rPr lang="de-DE" dirty="0"/>
+              <a:t>Satan/</a:t>
+            </a:r>
+            <a:r>
+              <a:rPr lang="de-DE" dirty="0" err="1"/>
+              <a:t>enemiesattack</a:t>
+            </a:r>
+            <a:endParaRPr lang="de-DE" dirty="0"/>
+          </a:p>
+        </p:txBody>
+      </p:sp>
+      <p:sp>
+        <p:nvSpPr>
+          <p:cNvPr id="14" name="Rechteck 13">
+            <a:extLst>
+              <a:ext uri="{FF2B5EF4-FFF2-40B4-BE49-F238E27FC236}">
+                <a16:creationId xmlns:a16="http://schemas.microsoft.com/office/drawing/2014/main" id="{CAC7FCBD-6307-C463-5ADE-C35E91B68ADB}"/>
+              </a:ext>
+            </a:extLst>
+          </p:cNvPr>
+          <p:cNvSpPr/>
+          <p:nvPr/>
+        </p:nvSpPr>
+        <p:spPr>
+          <a:xfrm>
+            <a:off x="585408" y="3429000"/>
+            <a:ext cx="1550890" cy="914400"/>
+          </a:xfrm>
+          <a:prstGeom prst="rect">
+            <a:avLst/>
+          </a:prstGeom>
+          <a:solidFill>
+            <a:srgbClr val="00B050"/>
+          </a:solidFill>
+        </p:spPr>
+        <p:style>
+          <a:lnRef idx="2">
+            <a:schemeClr val="accent1">
+              <a:shade val="15000"/>
+            </a:schemeClr>
+          </a:lnRef>
+          <a:fillRef idx="1">
+            <a:schemeClr val="accent1"/>
+          </a:fillRef>
+          <a:effectRef idx="0">
+            <a:schemeClr val="accent1"/>
+          </a:effectRef>
+          <a:fontRef idx="minor">
+            <a:schemeClr val="lt1"/>
+          </a:fontRef>
+        </p:style>
+        <p:txBody>
+          <a:bodyPr rtlCol="0" anchor="ctr"/>
+          <a:lstStyle/>
+          <a:p>
+            <a:pPr algn="ctr"/>
+            <a:r>
+              <a:rPr lang="de-DE" dirty="0"/>
+              <a:t>Jesus</a:t>
+            </a:r>
+          </a:p>
+          <a:p>
+            <a:pPr algn="ctr"/>
+            <a:r>
+              <a:rPr lang="de-DE" dirty="0" err="1"/>
+              <a:t>obedience</a:t>
+            </a:r>
+            <a:endParaRPr lang="de-DE" dirty="0"/>
+          </a:p>
+        </p:txBody>
+      </p:sp>
+      <p:sp>
+        <p:nvSpPr>
+          <p:cNvPr id="15" name="Rechteck 14">
+            <a:extLst>
+              <a:ext uri="{FF2B5EF4-FFF2-40B4-BE49-F238E27FC236}">
+                <a16:creationId xmlns:a16="http://schemas.microsoft.com/office/drawing/2014/main" id="{991BE401-8B53-FA2F-EB32-7A99B42647C5}"/>
+              </a:ext>
+            </a:extLst>
+          </p:cNvPr>
+          <p:cNvSpPr/>
+          <p:nvPr/>
+        </p:nvSpPr>
+        <p:spPr>
+          <a:xfrm>
+            <a:off x="3515315" y="3429000"/>
+            <a:ext cx="1471401" cy="914400"/>
+          </a:xfrm>
+          <a:prstGeom prst="rect">
+            <a:avLst/>
+          </a:prstGeom>
+          <a:solidFill>
+            <a:srgbClr val="00B050"/>
+          </a:solidFill>
+        </p:spPr>
+        <p:style>
+          <a:lnRef idx="2">
+            <a:schemeClr val="accent1">
+              <a:shade val="15000"/>
+            </a:schemeClr>
+          </a:lnRef>
+          <a:fillRef idx="1">
+            <a:schemeClr val="accent1"/>
+          </a:fillRef>
+          <a:effectRef idx="0">
+            <a:schemeClr val="accent1"/>
+          </a:effectRef>
+          <a:fontRef idx="minor">
+            <a:schemeClr val="lt1"/>
+          </a:fontRef>
+        </p:style>
+        <p:txBody>
+          <a:bodyPr rtlCol="0" anchor="ctr"/>
+          <a:lstStyle/>
+          <a:p>
+            <a:pPr algn="ctr"/>
+            <a:r>
+              <a:rPr lang="de-DE" dirty="0" err="1"/>
+              <a:t>God</a:t>
+            </a:r>
+            <a:r>
+              <a:rPr lang="de-DE" dirty="0"/>
+              <a:t> </a:t>
+            </a:r>
+            <a:r>
+              <a:rPr lang="de-DE" dirty="0" err="1"/>
+              <a:t>is</a:t>
+            </a:r>
+            <a:r>
+              <a:rPr lang="de-DE" dirty="0"/>
+              <a:t> </a:t>
+            </a:r>
+            <a:r>
+              <a:rPr lang="de-DE" dirty="0" err="1"/>
+              <a:t>there</a:t>
+            </a:r>
+            <a:endParaRPr lang="de-DE" dirty="0"/>
+          </a:p>
+        </p:txBody>
+      </p:sp>
+      <p:sp>
+        <p:nvSpPr>
+          <p:cNvPr id="16" name="Rechteck 15">
+            <a:extLst>
+              <a:ext uri="{FF2B5EF4-FFF2-40B4-BE49-F238E27FC236}">
+                <a16:creationId xmlns:a16="http://schemas.microsoft.com/office/drawing/2014/main" id="{268D19A6-7667-E932-2D5C-8A86F30CCB18}"/>
+              </a:ext>
+            </a:extLst>
+          </p:cNvPr>
+          <p:cNvSpPr/>
+          <p:nvPr/>
+        </p:nvSpPr>
+        <p:spPr>
+          <a:xfrm>
+            <a:off x="6365732" y="3429000"/>
+            <a:ext cx="1700676" cy="914400"/>
+          </a:xfrm>
+          <a:prstGeom prst="rect">
+            <a:avLst/>
+          </a:prstGeom>
+          <a:solidFill>
+            <a:srgbClr val="00B050"/>
+          </a:solidFill>
+        </p:spPr>
+        <p:style>
+          <a:lnRef idx="2">
+            <a:schemeClr val="accent1">
+              <a:shade val="15000"/>
+            </a:schemeClr>
+          </a:lnRef>
+          <a:fillRef idx="1">
+            <a:schemeClr val="accent1"/>
+          </a:fillRef>
+          <a:effectRef idx="0">
+            <a:schemeClr val="accent1"/>
+          </a:effectRef>
+          <a:fontRef idx="minor">
+            <a:schemeClr val="lt1"/>
+          </a:fontRef>
+        </p:style>
+        <p:txBody>
+          <a:bodyPr rtlCol="0" anchor="ctr"/>
+          <a:lstStyle/>
+          <a:p>
+            <a:pPr algn="ctr"/>
+            <a:r>
+              <a:rPr lang="de-DE" dirty="0"/>
+              <a:t>Satan </a:t>
+            </a:r>
+            <a:r>
+              <a:rPr lang="de-DE" dirty="0" err="1"/>
+              <a:t>dethroned</a:t>
+            </a:r>
+            <a:endParaRPr lang="de-DE" dirty="0"/>
+          </a:p>
+        </p:txBody>
+      </p:sp>
+      <p:sp>
+        <p:nvSpPr>
+          <p:cNvPr id="17" name="Rechteck 16">
+            <a:extLst>
+              <a:ext uri="{FF2B5EF4-FFF2-40B4-BE49-F238E27FC236}">
+                <a16:creationId xmlns:a16="http://schemas.microsoft.com/office/drawing/2014/main" id="{3810D38B-C7FD-4572-918B-D5CCC24A43C3}"/>
+              </a:ext>
+            </a:extLst>
+          </p:cNvPr>
+          <p:cNvSpPr/>
+          <p:nvPr/>
+        </p:nvSpPr>
+        <p:spPr>
+          <a:xfrm>
+            <a:off x="9749554" y="3429000"/>
+            <a:ext cx="1471401" cy="914400"/>
+          </a:xfrm>
+          <a:prstGeom prst="rect">
+            <a:avLst/>
+          </a:prstGeom>
+          <a:solidFill>
+            <a:srgbClr val="FF0000"/>
+          </a:solidFill>
+        </p:spPr>
+        <p:style>
+          <a:lnRef idx="2">
+            <a:schemeClr val="accent1">
+              <a:shade val="15000"/>
+            </a:schemeClr>
+          </a:lnRef>
+          <a:fillRef idx="1">
+            <a:schemeClr val="accent1"/>
+          </a:fillRef>
+          <a:effectRef idx="0">
+            <a:schemeClr val="accent1"/>
+          </a:effectRef>
+          <a:fontRef idx="minor">
+            <a:schemeClr val="lt1"/>
+          </a:fontRef>
+        </p:style>
+        <p:txBody>
+          <a:bodyPr rtlCol="0" anchor="ctr"/>
+          <a:lstStyle/>
+          <a:p>
+            <a:pPr algn="ctr"/>
+            <a:r>
+              <a:rPr lang="de-DE" dirty="0"/>
+              <a:t>Satan</a:t>
+            </a:r>
+          </a:p>
+          <a:p>
+            <a:pPr algn="ctr"/>
+            <a:r>
+              <a:rPr lang="de-DE" dirty="0" err="1"/>
+              <a:t>ruthless</a:t>
+            </a:r>
+            <a:endParaRPr lang="de-DE" dirty="0"/>
+          </a:p>
+        </p:txBody>
+      </p:sp>
+      <p:sp>
+        <p:nvSpPr>
+          <p:cNvPr id="18" name="Rechteck 17">
+            <a:extLst>
+              <a:ext uri="{FF2B5EF4-FFF2-40B4-BE49-F238E27FC236}">
+                <a16:creationId xmlns:a16="http://schemas.microsoft.com/office/drawing/2014/main" id="{C021A83E-00A8-7096-E12F-7326D6D830D0}"/>
+              </a:ext>
+            </a:extLst>
+          </p:cNvPr>
+          <p:cNvSpPr/>
+          <p:nvPr/>
+        </p:nvSpPr>
+        <p:spPr>
+          <a:xfrm>
+            <a:off x="577316" y="4968425"/>
+            <a:ext cx="1550890" cy="914400"/>
+          </a:xfrm>
+          <a:prstGeom prst="rect">
+            <a:avLst/>
+          </a:prstGeom>
+          <a:solidFill>
+            <a:srgbClr val="0070C0"/>
+          </a:solidFill>
+        </p:spPr>
+        <p:style>
+          <a:lnRef idx="2">
+            <a:schemeClr val="accent1">
+              <a:shade val="15000"/>
+            </a:schemeClr>
+          </a:lnRef>
+          <a:fillRef idx="1">
+            <a:schemeClr val="accent1"/>
+          </a:fillRef>
+          <a:effectRef idx="0">
+            <a:schemeClr val="accent1"/>
+          </a:effectRef>
+          <a:fontRef idx="minor">
+            <a:schemeClr val="lt1"/>
+          </a:fontRef>
+        </p:style>
+        <p:txBody>
+          <a:bodyPr rtlCol="0" anchor="ctr"/>
+          <a:lstStyle/>
+          <a:p>
+            <a:pPr algn="ctr"/>
+            <a:r>
+              <a:rPr lang="de-DE" dirty="0"/>
+              <a:t>Church </a:t>
+            </a:r>
+          </a:p>
+          <a:p>
+            <a:pPr algn="ctr"/>
+            <a:r>
+              <a:rPr lang="de-DE" dirty="0" err="1"/>
+              <a:t>exists</a:t>
+            </a:r>
+            <a:endParaRPr lang="de-DE" dirty="0"/>
+          </a:p>
+        </p:txBody>
+      </p:sp>
+      <p:sp>
+        <p:nvSpPr>
+          <p:cNvPr id="19" name="Rechteck 18">
+            <a:extLst>
+              <a:ext uri="{FF2B5EF4-FFF2-40B4-BE49-F238E27FC236}">
+                <a16:creationId xmlns:a16="http://schemas.microsoft.com/office/drawing/2014/main" id="{9813C835-0146-7DF2-F367-5C62C0881F06}"/>
+              </a:ext>
+            </a:extLst>
+          </p:cNvPr>
+          <p:cNvSpPr/>
+          <p:nvPr/>
+        </p:nvSpPr>
+        <p:spPr>
+          <a:xfrm>
+            <a:off x="6365732" y="4968425"/>
+            <a:ext cx="1700676" cy="914400"/>
+          </a:xfrm>
+          <a:prstGeom prst="rect">
+            <a:avLst/>
+          </a:prstGeom>
+          <a:solidFill>
+            <a:srgbClr val="FF0000"/>
+          </a:solidFill>
+        </p:spPr>
+        <p:style>
+          <a:lnRef idx="2">
+            <a:schemeClr val="accent1">
+              <a:shade val="15000"/>
+            </a:schemeClr>
+          </a:lnRef>
+          <a:fillRef idx="1">
+            <a:schemeClr val="accent1"/>
+          </a:fillRef>
+          <a:effectRef idx="0">
+            <a:schemeClr val="accent1"/>
+          </a:effectRef>
+          <a:fontRef idx="minor">
+            <a:schemeClr val="lt1"/>
+          </a:fontRef>
+        </p:style>
+        <p:txBody>
+          <a:bodyPr rtlCol="0" anchor="ctr"/>
+          <a:lstStyle/>
+          <a:p>
+            <a:pPr algn="ctr"/>
+            <a:r>
+              <a:rPr lang="de-DE" dirty="0"/>
+              <a:t>Satan</a:t>
+            </a:r>
+          </a:p>
+          <a:p>
+            <a:pPr algn="ctr"/>
+            <a:r>
+              <a:rPr lang="de-DE" dirty="0"/>
+              <a:t> </a:t>
+            </a:r>
+            <a:r>
+              <a:rPr lang="de-DE" dirty="0" err="1"/>
+              <a:t>attacks</a:t>
+            </a:r>
+            <a:endParaRPr lang="de-DE" dirty="0"/>
+          </a:p>
+        </p:txBody>
+      </p:sp>
+      <p:sp>
+        <p:nvSpPr>
+          <p:cNvPr id="20" name="Rechteck 19">
+            <a:extLst>
+              <a:ext uri="{FF2B5EF4-FFF2-40B4-BE49-F238E27FC236}">
+                <a16:creationId xmlns:a16="http://schemas.microsoft.com/office/drawing/2014/main" id="{6859414E-AB63-5583-4CD0-2DDFCAB596A8}"/>
+              </a:ext>
+            </a:extLst>
+          </p:cNvPr>
+          <p:cNvSpPr/>
+          <p:nvPr/>
+        </p:nvSpPr>
+        <p:spPr>
+          <a:xfrm>
+            <a:off x="9749553" y="4968425"/>
+            <a:ext cx="1471401" cy="914400"/>
+          </a:xfrm>
+          <a:prstGeom prst="rect">
+            <a:avLst/>
+          </a:prstGeom>
+          <a:gradFill>
+            <a:gsLst>
+              <a:gs pos="0">
+                <a:srgbClr val="FF0000"/>
+              </a:gs>
+              <a:gs pos="100000">
+                <a:srgbClr val="00B050"/>
+              </a:gs>
+            </a:gsLst>
+            <a:lin ang="3000000" scaled="0"/>
+          </a:gradFill>
+        </p:spPr>
+        <p:style>
+          <a:lnRef idx="2">
+            <a:schemeClr val="accent1">
+              <a:shade val="15000"/>
+            </a:schemeClr>
+          </a:lnRef>
+          <a:fillRef idx="1">
+            <a:schemeClr val="accent1"/>
+          </a:fillRef>
+          <a:effectRef idx="0">
+            <a:schemeClr val="accent1"/>
+          </a:effectRef>
+          <a:fontRef idx="minor">
+            <a:schemeClr val="lt1"/>
+          </a:fontRef>
+        </p:style>
+        <p:txBody>
+          <a:bodyPr rtlCol="0" anchor="ctr"/>
+          <a:lstStyle/>
+          <a:p>
+            <a:pPr algn="ctr"/>
+            <a:r>
+              <a:rPr lang="de-DE" dirty="0" err="1"/>
+              <a:t>suffering</a:t>
+            </a:r>
+            <a:endParaRPr lang="de-DE" dirty="0"/>
+          </a:p>
+        </p:txBody>
+      </p:sp>
+      <p:sp>
+        <p:nvSpPr>
+          <p:cNvPr id="21" name="Rechteck 20">
+            <a:extLst>
+              <a:ext uri="{FF2B5EF4-FFF2-40B4-BE49-F238E27FC236}">
+                <a16:creationId xmlns:a16="http://schemas.microsoft.com/office/drawing/2014/main" id="{2B4964F1-F34C-414B-EFBD-6619CC4B1DE3}"/>
+              </a:ext>
+            </a:extLst>
+          </p:cNvPr>
+          <p:cNvSpPr/>
+          <p:nvPr/>
+        </p:nvSpPr>
+        <p:spPr>
+          <a:xfrm>
+            <a:off x="3515314" y="4968425"/>
+            <a:ext cx="1471401" cy="914400"/>
+          </a:xfrm>
+          <a:prstGeom prst="rect">
+            <a:avLst/>
+          </a:prstGeom>
+          <a:solidFill>
+            <a:srgbClr val="00B050"/>
+          </a:solidFill>
+        </p:spPr>
+        <p:style>
+          <a:lnRef idx="2">
+            <a:schemeClr val="accent1">
+              <a:shade val="15000"/>
+            </a:schemeClr>
+          </a:lnRef>
+          <a:fillRef idx="1">
+            <a:schemeClr val="accent1"/>
+          </a:fillRef>
+          <a:effectRef idx="0">
+            <a:schemeClr val="accent1"/>
+          </a:effectRef>
+          <a:fontRef idx="minor">
+            <a:schemeClr val="lt1"/>
+          </a:fontRef>
+        </p:style>
+        <p:txBody>
+          <a:bodyPr rtlCol="0" anchor="ctr"/>
+          <a:lstStyle/>
+          <a:p>
+            <a:pPr algn="ctr"/>
+            <a:r>
+              <a:rPr lang="de-DE" dirty="0" err="1"/>
+              <a:t>God</a:t>
+            </a:r>
+            <a:r>
+              <a:rPr lang="de-DE" dirty="0"/>
+              <a:t> </a:t>
+            </a:r>
+            <a:r>
+              <a:rPr lang="de-DE" dirty="0" err="1"/>
+              <a:t>seals</a:t>
+            </a:r>
+            <a:endParaRPr lang="de-DE" dirty="0"/>
+          </a:p>
+        </p:txBody>
+      </p:sp>
+      <p:cxnSp>
+        <p:nvCxnSpPr>
+          <p:cNvPr id="23" name="Gerade Verbindung mit Pfeil 22">
+            <a:extLst>
+              <a:ext uri="{FF2B5EF4-FFF2-40B4-BE49-F238E27FC236}">
+                <a16:creationId xmlns:a16="http://schemas.microsoft.com/office/drawing/2014/main" id="{7D6E79EE-B496-C6BC-733A-A30116AC34C4}"/>
+              </a:ext>
+            </a:extLst>
+          </p:cNvPr>
+          <p:cNvCxnSpPr>
+            <a:cxnSpLocks/>
+            <a:stCxn id="4" idx="3"/>
+            <a:endCxn id="9" idx="1"/>
+          </p:cNvCxnSpPr>
+          <p:nvPr/>
+        </p:nvCxnSpPr>
+        <p:spPr>
+          <a:xfrm>
+            <a:off x="2136298" y="1110042"/>
+            <a:ext cx="1379017" cy="0"/>
+          </a:xfrm>
+          <a:prstGeom prst="straightConnector1">
+            <a:avLst/>
+          </a:prstGeom>
+          <a:ln>
+            <a:tailEnd type="triangle"/>
+          </a:ln>
+        </p:spPr>
+        <p:style>
+          <a:lnRef idx="2">
+            <a:schemeClr val="accent1"/>
+          </a:lnRef>
+          <a:fillRef idx="0">
+            <a:schemeClr val="accent1"/>
+          </a:fillRef>
+          <a:effectRef idx="1">
+            <a:schemeClr val="accent1"/>
+          </a:effectRef>
+          <a:fontRef idx="minor">
+            <a:schemeClr val="tx1"/>
+          </a:fontRef>
+        </p:style>
+      </p:cxnSp>
+      <p:cxnSp>
+        <p:nvCxnSpPr>
+          <p:cNvPr id="26" name="Gerade Verbindung mit Pfeil 25">
+            <a:extLst>
+              <a:ext uri="{FF2B5EF4-FFF2-40B4-BE49-F238E27FC236}">
+                <a16:creationId xmlns:a16="http://schemas.microsoft.com/office/drawing/2014/main" id="{52D720A2-AF8A-C924-EB16-4F9F65DA099E}"/>
+              </a:ext>
+            </a:extLst>
+          </p:cNvPr>
+          <p:cNvCxnSpPr>
+            <a:cxnSpLocks/>
+            <a:stCxn id="9" idx="3"/>
+            <a:endCxn id="8" idx="1"/>
+          </p:cNvCxnSpPr>
+          <p:nvPr/>
+        </p:nvCxnSpPr>
+        <p:spPr>
+          <a:xfrm>
+            <a:off x="4986716" y="1110042"/>
+            <a:ext cx="1379018" cy="0"/>
+          </a:xfrm>
+          <a:prstGeom prst="straightConnector1">
+            <a:avLst/>
+          </a:prstGeom>
+          <a:ln>
+            <a:tailEnd type="triangle"/>
+          </a:ln>
+        </p:spPr>
+        <p:style>
+          <a:lnRef idx="2">
+            <a:schemeClr val="accent1"/>
+          </a:lnRef>
+          <a:fillRef idx="0">
+            <a:schemeClr val="accent1"/>
+          </a:fillRef>
+          <a:effectRef idx="1">
+            <a:schemeClr val="accent1"/>
+          </a:effectRef>
+          <a:fontRef idx="minor">
+            <a:schemeClr val="tx1"/>
+          </a:fontRef>
+        </p:style>
+      </p:cxnSp>
+      <p:cxnSp>
+        <p:nvCxnSpPr>
+          <p:cNvPr id="27" name="Gerade Verbindung mit Pfeil 26">
+            <a:extLst>
+              <a:ext uri="{FF2B5EF4-FFF2-40B4-BE49-F238E27FC236}">
+                <a16:creationId xmlns:a16="http://schemas.microsoft.com/office/drawing/2014/main" id="{AF8F4292-7C2C-0945-FD8D-AC0F01D6422A}"/>
+              </a:ext>
+            </a:extLst>
+          </p:cNvPr>
+          <p:cNvCxnSpPr>
+            <a:cxnSpLocks/>
+            <a:stCxn id="8" idx="3"/>
+            <a:endCxn id="11" idx="1"/>
+          </p:cNvCxnSpPr>
+          <p:nvPr/>
+        </p:nvCxnSpPr>
+        <p:spPr>
+          <a:xfrm>
+            <a:off x="8066410" y="1110042"/>
+            <a:ext cx="1683144" cy="0"/>
+          </a:xfrm>
+          <a:prstGeom prst="straightConnector1">
+            <a:avLst/>
+          </a:prstGeom>
+          <a:ln>
+            <a:tailEnd type="triangle"/>
+          </a:ln>
+        </p:spPr>
+        <p:style>
+          <a:lnRef idx="2">
+            <a:schemeClr val="accent1"/>
+          </a:lnRef>
+          <a:fillRef idx="0">
+            <a:schemeClr val="accent1"/>
+          </a:fillRef>
+          <a:effectRef idx="1">
+            <a:schemeClr val="accent1"/>
+          </a:effectRef>
+          <a:fontRef idx="minor">
+            <a:schemeClr val="tx1"/>
+          </a:fontRef>
+        </p:style>
+      </p:cxnSp>
+      <p:cxnSp>
+        <p:nvCxnSpPr>
+          <p:cNvPr id="28" name="Gerade Verbindung mit Pfeil 27">
+            <a:extLst>
+              <a:ext uri="{FF2B5EF4-FFF2-40B4-BE49-F238E27FC236}">
+                <a16:creationId xmlns:a16="http://schemas.microsoft.com/office/drawing/2014/main" id="{2368F81A-A319-7D47-45FF-F72A3CE3390C}"/>
+              </a:ext>
+            </a:extLst>
+          </p:cNvPr>
+          <p:cNvCxnSpPr>
+            <a:cxnSpLocks/>
+            <a:stCxn id="10" idx="3"/>
+            <a:endCxn id="12" idx="1"/>
+          </p:cNvCxnSpPr>
+          <p:nvPr/>
+        </p:nvCxnSpPr>
+        <p:spPr>
+          <a:xfrm>
+            <a:off x="2128206" y="2346775"/>
+            <a:ext cx="1387109" cy="0"/>
+          </a:xfrm>
+          <a:prstGeom prst="straightConnector1">
+            <a:avLst/>
+          </a:prstGeom>
+          <a:ln>
+            <a:tailEnd type="triangle"/>
+          </a:ln>
+        </p:spPr>
+        <p:style>
+          <a:lnRef idx="2">
+            <a:schemeClr val="accent1"/>
+          </a:lnRef>
+          <a:fillRef idx="0">
+            <a:schemeClr val="accent1"/>
+          </a:fillRef>
+          <a:effectRef idx="1">
+            <a:schemeClr val="accent1"/>
+          </a:effectRef>
+          <a:fontRef idx="minor">
+            <a:schemeClr val="tx1"/>
+          </a:fontRef>
+        </p:style>
+      </p:cxnSp>
+      <p:cxnSp>
+        <p:nvCxnSpPr>
+          <p:cNvPr id="29" name="Gerade Verbindung mit Pfeil 28">
+            <a:extLst>
+              <a:ext uri="{FF2B5EF4-FFF2-40B4-BE49-F238E27FC236}">
+                <a16:creationId xmlns:a16="http://schemas.microsoft.com/office/drawing/2014/main" id="{08F757FF-7B95-0631-3135-BAB8ED4AADCE}"/>
+              </a:ext>
+            </a:extLst>
+          </p:cNvPr>
+          <p:cNvCxnSpPr>
+            <a:cxnSpLocks/>
+            <a:stCxn id="12" idx="3"/>
+            <a:endCxn id="13" idx="1"/>
+          </p:cNvCxnSpPr>
+          <p:nvPr/>
+        </p:nvCxnSpPr>
+        <p:spPr>
+          <a:xfrm>
+            <a:off x="4986716" y="2346775"/>
+            <a:ext cx="1379018" cy="0"/>
+          </a:xfrm>
+          <a:prstGeom prst="straightConnector1">
+            <a:avLst/>
+          </a:prstGeom>
+          <a:ln>
+            <a:tailEnd type="triangle"/>
+          </a:ln>
+        </p:spPr>
+        <p:style>
+          <a:lnRef idx="2">
+            <a:schemeClr val="accent1"/>
+          </a:lnRef>
+          <a:fillRef idx="0">
+            <a:schemeClr val="accent1"/>
+          </a:fillRef>
+          <a:effectRef idx="1">
+            <a:schemeClr val="accent1"/>
+          </a:effectRef>
+          <a:fontRef idx="minor">
+            <a:schemeClr val="tx1"/>
+          </a:fontRef>
+        </p:style>
+      </p:cxnSp>
+      <p:cxnSp>
+        <p:nvCxnSpPr>
+          <p:cNvPr id="30" name="Gerade Verbindung mit Pfeil 29">
+            <a:extLst>
+              <a:ext uri="{FF2B5EF4-FFF2-40B4-BE49-F238E27FC236}">
+                <a16:creationId xmlns:a16="http://schemas.microsoft.com/office/drawing/2014/main" id="{D2AAC07E-818B-4328-D713-7CBC2F7167CB}"/>
+              </a:ext>
+            </a:extLst>
+          </p:cNvPr>
+          <p:cNvCxnSpPr>
+            <a:cxnSpLocks/>
+            <a:stCxn id="13" idx="3"/>
+            <a:endCxn id="5" idx="1"/>
+          </p:cNvCxnSpPr>
+          <p:nvPr/>
+        </p:nvCxnSpPr>
+        <p:spPr>
+          <a:xfrm>
+            <a:off x="8066410" y="2346775"/>
+            <a:ext cx="1683144" cy="0"/>
+          </a:xfrm>
+          <a:prstGeom prst="straightConnector1">
+            <a:avLst/>
+          </a:prstGeom>
+          <a:ln>
+            <a:tailEnd type="triangle"/>
+          </a:ln>
+        </p:spPr>
+        <p:style>
+          <a:lnRef idx="2">
+            <a:schemeClr val="accent1"/>
+          </a:lnRef>
+          <a:fillRef idx="0">
+            <a:schemeClr val="accent1"/>
+          </a:fillRef>
+          <a:effectRef idx="1">
+            <a:schemeClr val="accent1"/>
+          </a:effectRef>
+          <a:fontRef idx="minor">
+            <a:schemeClr val="tx1"/>
+          </a:fontRef>
+        </p:style>
+      </p:cxnSp>
+      <p:cxnSp>
+        <p:nvCxnSpPr>
+          <p:cNvPr id="31" name="Gerade Verbindung mit Pfeil 30">
+            <a:extLst>
+              <a:ext uri="{FF2B5EF4-FFF2-40B4-BE49-F238E27FC236}">
+                <a16:creationId xmlns:a16="http://schemas.microsoft.com/office/drawing/2014/main" id="{63EFBF53-21D8-DA73-8C7D-9EF3196A898C}"/>
+              </a:ext>
+            </a:extLst>
+          </p:cNvPr>
+          <p:cNvCxnSpPr>
+            <a:cxnSpLocks/>
+            <a:stCxn id="14" idx="3"/>
+            <a:endCxn id="15" idx="1"/>
+          </p:cNvCxnSpPr>
+          <p:nvPr/>
+        </p:nvCxnSpPr>
+        <p:spPr>
+          <a:xfrm>
+            <a:off x="2136298" y="3886200"/>
+            <a:ext cx="1379017" cy="0"/>
+          </a:xfrm>
+          <a:prstGeom prst="straightConnector1">
+            <a:avLst/>
+          </a:prstGeom>
+          <a:ln>
+            <a:tailEnd type="triangle"/>
+          </a:ln>
+        </p:spPr>
+        <p:style>
+          <a:lnRef idx="2">
+            <a:schemeClr val="accent1"/>
+          </a:lnRef>
+          <a:fillRef idx="0">
+            <a:schemeClr val="accent1"/>
+          </a:fillRef>
+          <a:effectRef idx="1">
+            <a:schemeClr val="accent1"/>
+          </a:effectRef>
+          <a:fontRef idx="minor">
+            <a:schemeClr val="tx1"/>
+          </a:fontRef>
+        </p:style>
+      </p:cxnSp>
+      <p:cxnSp>
+        <p:nvCxnSpPr>
+          <p:cNvPr id="32" name="Gerade Verbindung mit Pfeil 31">
+            <a:extLst>
+              <a:ext uri="{FF2B5EF4-FFF2-40B4-BE49-F238E27FC236}">
+                <a16:creationId xmlns:a16="http://schemas.microsoft.com/office/drawing/2014/main" id="{ADA158AD-5BCA-99EA-396D-2A32F17B9813}"/>
+              </a:ext>
+            </a:extLst>
+          </p:cNvPr>
+          <p:cNvCxnSpPr>
+            <a:cxnSpLocks/>
+            <a:stCxn id="15" idx="3"/>
+            <a:endCxn id="16" idx="1"/>
+          </p:cNvCxnSpPr>
+          <p:nvPr/>
+        </p:nvCxnSpPr>
+        <p:spPr>
+          <a:xfrm>
+            <a:off x="4986716" y="3886200"/>
+            <a:ext cx="1379016" cy="0"/>
+          </a:xfrm>
+          <a:prstGeom prst="straightConnector1">
+            <a:avLst/>
+          </a:prstGeom>
+          <a:ln>
+            <a:tailEnd type="triangle"/>
+          </a:ln>
+        </p:spPr>
+        <p:style>
+          <a:lnRef idx="2">
+            <a:schemeClr val="accent1"/>
+          </a:lnRef>
+          <a:fillRef idx="0">
+            <a:schemeClr val="accent1"/>
+          </a:fillRef>
+          <a:effectRef idx="1">
+            <a:schemeClr val="accent1"/>
+          </a:effectRef>
+          <a:fontRef idx="minor">
+            <a:schemeClr val="tx1"/>
+          </a:fontRef>
+        </p:style>
+      </p:cxnSp>
+      <p:cxnSp>
+        <p:nvCxnSpPr>
+          <p:cNvPr id="33" name="Gerade Verbindung mit Pfeil 32">
+            <a:extLst>
+              <a:ext uri="{FF2B5EF4-FFF2-40B4-BE49-F238E27FC236}">
+                <a16:creationId xmlns:a16="http://schemas.microsoft.com/office/drawing/2014/main" id="{BA1D9F9C-6230-EF10-A5EC-5DFB84EBFB37}"/>
+              </a:ext>
+            </a:extLst>
+          </p:cNvPr>
+          <p:cNvCxnSpPr>
+            <a:cxnSpLocks/>
+            <a:stCxn id="16" idx="3"/>
+            <a:endCxn id="17" idx="1"/>
+          </p:cNvCxnSpPr>
+          <p:nvPr/>
+        </p:nvCxnSpPr>
+        <p:spPr>
+          <a:xfrm>
+            <a:off x="8066408" y="3886200"/>
+            <a:ext cx="1683146" cy="0"/>
+          </a:xfrm>
+          <a:prstGeom prst="straightConnector1">
+            <a:avLst/>
+          </a:prstGeom>
+          <a:ln>
+            <a:tailEnd type="triangle"/>
+          </a:ln>
+        </p:spPr>
+        <p:style>
+          <a:lnRef idx="2">
+            <a:schemeClr val="accent1"/>
+          </a:lnRef>
+          <a:fillRef idx="0">
+            <a:schemeClr val="accent1"/>
+          </a:fillRef>
+          <a:effectRef idx="1">
+            <a:schemeClr val="accent1"/>
+          </a:effectRef>
+          <a:fontRef idx="minor">
+            <a:schemeClr val="tx1"/>
+          </a:fontRef>
+        </p:style>
+      </p:cxnSp>
+      <p:cxnSp>
+        <p:nvCxnSpPr>
+          <p:cNvPr id="34" name="Gerade Verbindung mit Pfeil 33">
+            <a:extLst>
+              <a:ext uri="{FF2B5EF4-FFF2-40B4-BE49-F238E27FC236}">
+                <a16:creationId xmlns:a16="http://schemas.microsoft.com/office/drawing/2014/main" id="{61476907-6DAD-D074-FA54-30C4FE84F2E6}"/>
+              </a:ext>
+            </a:extLst>
+          </p:cNvPr>
+          <p:cNvCxnSpPr>
+            <a:cxnSpLocks/>
+            <a:stCxn id="18" idx="3"/>
+            <a:endCxn id="21" idx="1"/>
+          </p:cNvCxnSpPr>
+          <p:nvPr/>
+        </p:nvCxnSpPr>
+        <p:spPr>
+          <a:xfrm>
+            <a:off x="2128206" y="5425625"/>
+            <a:ext cx="1387108" cy="0"/>
+          </a:xfrm>
+          <a:prstGeom prst="straightConnector1">
+            <a:avLst/>
+          </a:prstGeom>
+          <a:ln>
+            <a:tailEnd type="triangle"/>
+          </a:ln>
+        </p:spPr>
+        <p:style>
+          <a:lnRef idx="2">
+            <a:schemeClr val="accent1"/>
+          </a:lnRef>
+          <a:fillRef idx="0">
+            <a:schemeClr val="accent1"/>
+          </a:fillRef>
+          <a:effectRef idx="1">
+            <a:schemeClr val="accent1"/>
+          </a:effectRef>
+          <a:fontRef idx="minor">
+            <a:schemeClr val="tx1"/>
+          </a:fontRef>
+        </p:style>
+      </p:cxnSp>
+      <p:cxnSp>
+        <p:nvCxnSpPr>
+          <p:cNvPr id="35" name="Gerade Verbindung mit Pfeil 34">
+            <a:extLst>
+              <a:ext uri="{FF2B5EF4-FFF2-40B4-BE49-F238E27FC236}">
+                <a16:creationId xmlns:a16="http://schemas.microsoft.com/office/drawing/2014/main" id="{2B8CE1B8-4F6A-9C8C-DFE3-9F26E5F65C78}"/>
+              </a:ext>
+            </a:extLst>
+          </p:cNvPr>
+          <p:cNvCxnSpPr>
+            <a:cxnSpLocks/>
+            <a:stCxn id="21" idx="3"/>
+            <a:endCxn id="19" idx="1"/>
+          </p:cNvCxnSpPr>
+          <p:nvPr/>
+        </p:nvCxnSpPr>
+        <p:spPr>
+          <a:xfrm>
+            <a:off x="4986715" y="5425625"/>
+            <a:ext cx="1379017" cy="0"/>
+          </a:xfrm>
+          <a:prstGeom prst="straightConnector1">
+            <a:avLst/>
+          </a:prstGeom>
+          <a:ln>
+            <a:tailEnd type="triangle"/>
+          </a:ln>
+        </p:spPr>
+        <p:style>
+          <a:lnRef idx="2">
+            <a:schemeClr val="accent1"/>
+          </a:lnRef>
+          <a:fillRef idx="0">
+            <a:schemeClr val="accent1"/>
+          </a:fillRef>
+          <a:effectRef idx="1">
+            <a:schemeClr val="accent1"/>
+          </a:effectRef>
+          <a:fontRef idx="minor">
+            <a:schemeClr val="tx1"/>
+          </a:fontRef>
+        </p:style>
+      </p:cxnSp>
+      <p:cxnSp>
+        <p:nvCxnSpPr>
+          <p:cNvPr id="57" name="Gerade Verbindung mit Pfeil 56">
+            <a:extLst>
+              <a:ext uri="{FF2B5EF4-FFF2-40B4-BE49-F238E27FC236}">
+                <a16:creationId xmlns:a16="http://schemas.microsoft.com/office/drawing/2014/main" id="{35059F10-0E3C-E099-5678-201EDC738A66}"/>
+              </a:ext>
+            </a:extLst>
+          </p:cNvPr>
+          <p:cNvCxnSpPr>
+            <a:cxnSpLocks/>
+            <a:stCxn id="19" idx="3"/>
+            <a:endCxn id="20" idx="1"/>
+          </p:cNvCxnSpPr>
+          <p:nvPr/>
+        </p:nvCxnSpPr>
+        <p:spPr>
+          <a:xfrm>
+            <a:off x="8066408" y="5425625"/>
+            <a:ext cx="1683145" cy="0"/>
+          </a:xfrm>
+          <a:prstGeom prst="straightConnector1">
+            <a:avLst/>
+          </a:prstGeom>
+          <a:ln>
+            <a:tailEnd type="triangle"/>
+          </a:ln>
+        </p:spPr>
+        <p:style>
+          <a:lnRef idx="2">
+            <a:schemeClr val="accent1"/>
+          </a:lnRef>
+          <a:fillRef idx="0">
+            <a:schemeClr val="accent1"/>
+          </a:fillRef>
+          <a:effectRef idx="1">
+            <a:schemeClr val="accent1"/>
+          </a:effectRef>
+          <a:fontRef idx="minor">
+            <a:schemeClr val="tx1"/>
+          </a:fontRef>
+        </p:style>
+      </p:cxnSp>
+      <p:cxnSp>
+        <p:nvCxnSpPr>
+          <p:cNvPr id="61" name="Verbinder: gewinkelt 60">
+            <a:extLst>
+              <a:ext uri="{FF2B5EF4-FFF2-40B4-BE49-F238E27FC236}">
+                <a16:creationId xmlns:a16="http://schemas.microsoft.com/office/drawing/2014/main" id="{D9CB3865-C653-3D57-A773-450151817DD4}"/>
+              </a:ext>
+            </a:extLst>
+          </p:cNvPr>
+          <p:cNvCxnSpPr>
+            <a:cxnSpLocks/>
+            <a:stCxn id="17" idx="2"/>
+            <a:endCxn id="21" idx="0"/>
+          </p:cNvCxnSpPr>
+          <p:nvPr/>
+        </p:nvCxnSpPr>
+        <p:spPr>
+          <a:xfrm rot="5400000">
+            <a:off x="7055623" y="1538792"/>
+            <a:ext cx="625025" cy="6234240"/>
+          </a:xfrm>
+          <a:prstGeom prst="bentConnector3">
+            <a:avLst/>
+          </a:prstGeom>
+          <a:ln>
+            <a:tailEnd type="triangle"/>
+          </a:ln>
+        </p:spPr>
+        <p:style>
+          <a:lnRef idx="2">
+            <a:schemeClr val="accent1"/>
+          </a:lnRef>
+          <a:fillRef idx="0">
+            <a:schemeClr val="accent1"/>
+          </a:fillRef>
+          <a:effectRef idx="1">
+            <a:schemeClr val="accent1"/>
+          </a:effectRef>
+          <a:fontRef idx="minor">
+            <a:schemeClr val="tx1"/>
+          </a:fontRef>
+        </p:style>
+      </p:cxnSp>
+    </p:spTree>
+    <p:extLst>
+      <p:ext uri="{BB962C8B-B14F-4D97-AF65-F5344CB8AC3E}">
+        <p14:creationId xmlns:p14="http://schemas.microsoft.com/office/powerpoint/2010/main" val="651865230"/>
+      </p:ext>
+    </p:extLst>
+  </p:cSld>
+  <p:clrMapOvr>
+    <a:masterClrMapping/>
+  </p:clrMapOvr>
+</p:sld>
+</file>
+
+<file path=ppt/slides/slide3.xml><?xml version="1.0" encoding="utf-8"?>
+<p:sld xmlns:a="http://schemas.openxmlformats.org/drawingml/2006/main" xmlns:r="http://schemas.openxmlformats.org/officeDocument/2006/relationships" xmlns:p="http://schemas.openxmlformats.org/presentationml/2006/main">
+  <p:cSld>
+    <p:spTree>
+      <p:nvGrpSpPr>
+        <p:cNvPr id="1" name=""/>
+        <p:cNvGrpSpPr/>
+        <p:nvPr/>
+      </p:nvGrpSpPr>
+      <p:grpSpPr>
+        <a:xfrm>
+          <a:off x="0" y="0"/>
+          <a:ext cx="0" cy="0"/>
+          <a:chOff x="0" y="0"/>
+          <a:chExt cx="0" cy="0"/>
+        </a:xfrm>
+      </p:grpSpPr>
+      <p:sp>
+        <p:nvSpPr>
+          <p:cNvPr id="4" name="Rechteck 3">
+            <a:extLst>
+              <a:ext uri="{FF2B5EF4-FFF2-40B4-BE49-F238E27FC236}">
+                <a16:creationId xmlns:a16="http://schemas.microsoft.com/office/drawing/2014/main" id="{F37BF950-26FE-96B1-EDBA-B1F0DE7CB435}"/>
+              </a:ext>
+            </a:extLst>
+          </p:cNvPr>
+          <p:cNvSpPr/>
+          <p:nvPr/>
+        </p:nvSpPr>
+        <p:spPr>
+          <a:xfrm>
+            <a:off x="585408" y="652842"/>
+            <a:ext cx="1550890" cy="914400"/>
+          </a:xfrm>
+          <a:prstGeom prst="rect">
+            <a:avLst/>
+          </a:prstGeom>
+          <a:solidFill>
+            <a:srgbClr val="00B050"/>
+          </a:solidFill>
+        </p:spPr>
+        <p:style>
+          <a:lnRef idx="2">
+            <a:schemeClr val="accent1">
+              <a:shade val="15000"/>
+            </a:schemeClr>
+          </a:lnRef>
+          <a:fillRef idx="1">
+            <a:schemeClr val="accent1"/>
+          </a:fillRef>
+          <a:effectRef idx="0">
+            <a:schemeClr val="accent1"/>
+          </a:effectRef>
+          <a:fontRef idx="minor">
+            <a:schemeClr val="lt1"/>
+          </a:fontRef>
+        </p:style>
+        <p:txBody>
+          <a:bodyPr rtlCol="0" anchor="ctr"/>
+          <a:lstStyle/>
+          <a:p>
+            <a:pPr algn="ctr"/>
+            <a:r>
+              <a:rPr lang="de-DE" dirty="0" err="1"/>
+              <a:t>İsrail</a:t>
+            </a:r>
+            <a:r>
+              <a:rPr lang="de-DE" dirty="0"/>
+              <a:t> </a:t>
+            </a:r>
+            <a:r>
+              <a:rPr lang="de-DE" dirty="0" err="1"/>
+              <a:t>itaati</a:t>
+            </a:r>
+            <a:endParaRPr lang="de-DE" dirty="0"/>
+          </a:p>
+        </p:txBody>
+      </p:sp>
+      <p:sp>
+        <p:nvSpPr>
+          <p:cNvPr id="5" name="Rechteck 4">
+            <a:extLst>
+              <a:ext uri="{FF2B5EF4-FFF2-40B4-BE49-F238E27FC236}">
+                <a16:creationId xmlns:a16="http://schemas.microsoft.com/office/drawing/2014/main" id="{AF73D45F-C436-0962-56E6-F2D2446BC064}"/>
+              </a:ext>
+            </a:extLst>
+          </p:cNvPr>
+          <p:cNvSpPr/>
+          <p:nvPr/>
+        </p:nvSpPr>
+        <p:spPr>
+          <a:xfrm>
+            <a:off x="9749554" y="1889575"/>
+            <a:ext cx="1471401" cy="914400"/>
+          </a:xfrm>
+          <a:prstGeom prst="rect">
+            <a:avLst/>
+          </a:prstGeom>
+          <a:solidFill>
+            <a:srgbClr val="FF0000"/>
+          </a:solidFill>
+        </p:spPr>
+        <p:style>
+          <a:lnRef idx="2">
+            <a:schemeClr val="accent1">
+              <a:shade val="15000"/>
+            </a:schemeClr>
+          </a:lnRef>
+          <a:fillRef idx="1">
+            <a:schemeClr val="accent1"/>
+          </a:fillRef>
+          <a:effectRef idx="0">
+            <a:schemeClr val="accent1"/>
+          </a:effectRef>
+          <a:fontRef idx="minor">
+            <a:schemeClr val="lt1"/>
+          </a:fontRef>
+        </p:style>
+        <p:txBody>
+          <a:bodyPr rtlCol="0" anchor="ctr"/>
+          <a:lstStyle/>
+          <a:p>
+            <a:pPr algn="ctr"/>
+            <a:r>
+              <a:rPr lang="de-DE" dirty="0" err="1"/>
+              <a:t>Acı</a:t>
+            </a:r>
+            <a:r>
+              <a:rPr lang="de-DE" dirty="0"/>
+              <a:t> </a:t>
+            </a:r>
+            <a:r>
+              <a:rPr lang="de-DE" dirty="0" err="1"/>
+              <a:t>çekmek</a:t>
+            </a:r>
+            <a:endParaRPr lang="de-DE" dirty="0"/>
+          </a:p>
+        </p:txBody>
+      </p:sp>
+      <p:sp>
+        <p:nvSpPr>
+          <p:cNvPr id="8" name="Rechteck 7">
+            <a:extLst>
+              <a:ext uri="{FF2B5EF4-FFF2-40B4-BE49-F238E27FC236}">
+                <a16:creationId xmlns:a16="http://schemas.microsoft.com/office/drawing/2014/main" id="{8E8CEEF7-70ED-9187-D8AA-D0180EF8BC77}"/>
+              </a:ext>
+            </a:extLst>
+          </p:cNvPr>
+          <p:cNvSpPr/>
+          <p:nvPr/>
+        </p:nvSpPr>
+        <p:spPr>
+          <a:xfrm>
+            <a:off x="6365734" y="652842"/>
+            <a:ext cx="1700676" cy="914400"/>
+          </a:xfrm>
+          <a:prstGeom prst="rect">
+            <a:avLst/>
+          </a:prstGeom>
+          <a:solidFill>
+            <a:srgbClr val="FF0000"/>
+          </a:solidFill>
+        </p:spPr>
+        <p:style>
+          <a:lnRef idx="2">
+            <a:schemeClr val="accent1">
+              <a:shade val="15000"/>
+            </a:schemeClr>
+          </a:lnRef>
+          <a:fillRef idx="1">
+            <a:schemeClr val="accent1"/>
+          </a:fillRef>
+          <a:effectRef idx="0">
+            <a:schemeClr val="accent1"/>
+          </a:effectRef>
+          <a:fontRef idx="minor">
+            <a:schemeClr val="lt1"/>
+          </a:fontRef>
+        </p:style>
+        <p:txBody>
+          <a:bodyPr rtlCol="0" anchor="ctr"/>
+          <a:lstStyle/>
+          <a:p>
+            <a:pPr algn="ctr"/>
+            <a:r>
+              <a:rPr lang="de-DE" dirty="0" err="1"/>
+              <a:t>Şeytan</a:t>
+            </a:r>
+            <a:r>
+              <a:rPr lang="de-DE" dirty="0"/>
+              <a:t>/</a:t>
+            </a:r>
+          </a:p>
+          <a:p>
+            <a:pPr algn="ctr"/>
+            <a:r>
+              <a:rPr lang="de-DE" dirty="0" err="1"/>
+              <a:t>düşman</a:t>
+            </a:r>
+            <a:r>
+              <a:rPr lang="de-DE" dirty="0"/>
+              <a:t> </a:t>
+            </a:r>
+            <a:r>
+              <a:rPr lang="de-DE" dirty="0" err="1"/>
+              <a:t>saldırısı</a:t>
+            </a:r>
+            <a:endParaRPr lang="de-DE" dirty="0"/>
+          </a:p>
+        </p:txBody>
+      </p:sp>
+      <p:sp>
+        <p:nvSpPr>
+          <p:cNvPr id="9" name="Rechteck 8">
+            <a:extLst>
+              <a:ext uri="{FF2B5EF4-FFF2-40B4-BE49-F238E27FC236}">
+                <a16:creationId xmlns:a16="http://schemas.microsoft.com/office/drawing/2014/main" id="{3C2EE9FD-D6C8-BC75-65BA-E5CAF2D77B9E}"/>
+              </a:ext>
+            </a:extLst>
+          </p:cNvPr>
+          <p:cNvSpPr/>
+          <p:nvPr/>
+        </p:nvSpPr>
+        <p:spPr>
+          <a:xfrm>
+            <a:off x="3515315" y="652842"/>
+            <a:ext cx="1471401" cy="914400"/>
+          </a:xfrm>
+          <a:prstGeom prst="rect">
+            <a:avLst/>
+          </a:prstGeom>
+          <a:solidFill>
+            <a:srgbClr val="00B050"/>
+          </a:solidFill>
+        </p:spPr>
+        <p:style>
+          <a:lnRef idx="2">
+            <a:schemeClr val="accent1">
+              <a:shade val="15000"/>
+            </a:schemeClr>
+          </a:lnRef>
+          <a:fillRef idx="1">
+            <a:schemeClr val="accent1"/>
+          </a:fillRef>
+          <a:effectRef idx="0">
+            <a:schemeClr val="accent1"/>
+          </a:effectRef>
+          <a:fontRef idx="minor">
+            <a:schemeClr val="lt1"/>
+          </a:fontRef>
+        </p:style>
+        <p:txBody>
+          <a:bodyPr rtlCol="0" anchor="ctr"/>
+          <a:lstStyle/>
+          <a:p>
+            <a:pPr algn="ctr"/>
+            <a:r>
+              <a:rPr lang="de-DE" dirty="0" err="1"/>
+              <a:t>Tanrı</a:t>
+            </a:r>
+            <a:r>
+              <a:rPr lang="de-DE" dirty="0"/>
+              <a:t> </a:t>
+            </a:r>
+            <a:r>
+              <a:rPr lang="de-DE" dirty="0" err="1"/>
+              <a:t>korur</a:t>
+            </a:r>
+            <a:endParaRPr lang="de-DE" dirty="0"/>
+          </a:p>
+        </p:txBody>
+      </p:sp>
+      <p:sp>
+        <p:nvSpPr>
+          <p:cNvPr id="10" name="Rechteck 9">
+            <a:extLst>
+              <a:ext uri="{FF2B5EF4-FFF2-40B4-BE49-F238E27FC236}">
+                <a16:creationId xmlns:a16="http://schemas.microsoft.com/office/drawing/2014/main" id="{833A7F83-D07D-78C9-8C88-122FEE6E0A47}"/>
+              </a:ext>
+            </a:extLst>
+          </p:cNvPr>
+          <p:cNvSpPr/>
+          <p:nvPr/>
+        </p:nvSpPr>
+        <p:spPr>
+          <a:xfrm>
+            <a:off x="577316" y="1889575"/>
+            <a:ext cx="1550890" cy="914400"/>
+          </a:xfrm>
+          <a:prstGeom prst="rect">
+            <a:avLst/>
+          </a:prstGeom>
+          <a:solidFill>
+            <a:srgbClr val="FF0000"/>
+          </a:solidFill>
+        </p:spPr>
+        <p:style>
+          <a:lnRef idx="2">
+            <a:schemeClr val="accent1">
+              <a:shade val="15000"/>
+            </a:schemeClr>
+          </a:lnRef>
+          <a:fillRef idx="1">
+            <a:schemeClr val="accent1"/>
+          </a:fillRef>
+          <a:effectRef idx="0">
+            <a:schemeClr val="accent1"/>
+          </a:effectRef>
+          <a:fontRef idx="minor">
+            <a:schemeClr val="lt1"/>
+          </a:fontRef>
+        </p:style>
+        <p:txBody>
+          <a:bodyPr rtlCol="0" anchor="ctr"/>
+          <a:lstStyle/>
+          <a:p>
+            <a:pPr algn="ctr"/>
+            <a:r>
+              <a:rPr lang="de-DE" dirty="0" err="1"/>
+              <a:t>İsrail</a:t>
+            </a:r>
+            <a:r>
+              <a:rPr lang="de-DE" dirty="0"/>
+              <a:t> </a:t>
+            </a:r>
+            <a:r>
+              <a:rPr lang="de-DE" dirty="0" err="1"/>
+              <a:t>itaatsizliği</a:t>
+            </a:r>
+            <a:endParaRPr lang="de-DE" dirty="0"/>
+          </a:p>
+        </p:txBody>
+      </p:sp>
+      <p:sp>
+        <p:nvSpPr>
+          <p:cNvPr id="11" name="Rechteck 10">
+            <a:extLst>
+              <a:ext uri="{FF2B5EF4-FFF2-40B4-BE49-F238E27FC236}">
+                <a16:creationId xmlns:a16="http://schemas.microsoft.com/office/drawing/2014/main" id="{32038946-B65B-E5F8-4B3F-0372EF553707}"/>
+              </a:ext>
+            </a:extLst>
+          </p:cNvPr>
+          <p:cNvSpPr/>
+          <p:nvPr/>
+        </p:nvSpPr>
+        <p:spPr>
+          <a:xfrm>
+            <a:off x="9749554" y="652842"/>
+            <a:ext cx="1471401" cy="914400"/>
+          </a:xfrm>
+          <a:prstGeom prst="rect">
+            <a:avLst/>
+          </a:prstGeom>
+          <a:solidFill>
+            <a:srgbClr val="00B050"/>
+          </a:solidFill>
+        </p:spPr>
+        <p:style>
+          <a:lnRef idx="2">
+            <a:schemeClr val="accent1">
+              <a:shade val="15000"/>
+            </a:schemeClr>
+          </a:lnRef>
+          <a:fillRef idx="1">
+            <a:schemeClr val="accent1"/>
+          </a:fillRef>
+          <a:effectRef idx="0">
+            <a:schemeClr val="accent1"/>
+          </a:effectRef>
+          <a:fontRef idx="minor">
+            <a:schemeClr val="lt1"/>
+          </a:fontRef>
+        </p:style>
+        <p:txBody>
+          <a:bodyPr rtlCol="0" anchor="ctr"/>
+          <a:lstStyle/>
+          <a:p>
+            <a:pPr algn="ctr"/>
+            <a:r>
+              <a:rPr lang="de-DE" dirty="0" err="1"/>
+              <a:t>Tanrı'nın</a:t>
+            </a:r>
+            <a:r>
+              <a:rPr lang="de-DE" dirty="0"/>
+              <a:t> </a:t>
+            </a:r>
+            <a:r>
+              <a:rPr lang="de-DE" dirty="0" err="1"/>
+              <a:t>lütfu</a:t>
+            </a:r>
+            <a:endParaRPr lang="de-DE" dirty="0"/>
+          </a:p>
+        </p:txBody>
+      </p:sp>
+      <p:sp>
+        <p:nvSpPr>
+          <p:cNvPr id="12" name="Rechteck 11">
+            <a:extLst>
+              <a:ext uri="{FF2B5EF4-FFF2-40B4-BE49-F238E27FC236}">
+                <a16:creationId xmlns:a16="http://schemas.microsoft.com/office/drawing/2014/main" id="{7BCBD252-29F1-EB45-6A90-82D8FE377E8A}"/>
+              </a:ext>
+            </a:extLst>
+          </p:cNvPr>
+          <p:cNvSpPr/>
+          <p:nvPr/>
+        </p:nvSpPr>
+        <p:spPr>
+          <a:xfrm>
+            <a:off x="3515315" y="1889575"/>
+            <a:ext cx="1471401" cy="914400"/>
+          </a:xfrm>
+          <a:prstGeom prst="rect">
+            <a:avLst/>
+          </a:prstGeom>
+          <a:solidFill>
+            <a:srgbClr val="FF0000"/>
+          </a:solidFill>
+        </p:spPr>
+        <p:style>
+          <a:lnRef idx="2">
+            <a:schemeClr val="accent1">
+              <a:shade val="15000"/>
+            </a:schemeClr>
+          </a:lnRef>
+          <a:fillRef idx="1">
+            <a:schemeClr val="accent1"/>
+          </a:fillRef>
+          <a:effectRef idx="0">
+            <a:schemeClr val="accent1"/>
+          </a:effectRef>
+          <a:fontRef idx="minor">
+            <a:schemeClr val="lt1"/>
+          </a:fontRef>
+        </p:style>
+        <p:txBody>
+          <a:bodyPr rtlCol="0" anchor="ctr"/>
+          <a:lstStyle/>
+          <a:p>
+            <a:pPr algn="ctr"/>
+            <a:r>
+              <a:rPr lang="de-DE" dirty="0" err="1"/>
+              <a:t>Tanrı</a:t>
+            </a:r>
+            <a:r>
+              <a:rPr lang="de-DE" dirty="0"/>
+              <a:t> </a:t>
+            </a:r>
+            <a:r>
+              <a:rPr lang="de-DE" dirty="0" err="1"/>
+              <a:t>cezalandırır</a:t>
+            </a:r>
+            <a:endParaRPr lang="de-DE" dirty="0"/>
+          </a:p>
+        </p:txBody>
+      </p:sp>
+      <p:sp>
+        <p:nvSpPr>
+          <p:cNvPr id="13" name="Rechteck 12">
+            <a:extLst>
+              <a:ext uri="{FF2B5EF4-FFF2-40B4-BE49-F238E27FC236}">
+                <a16:creationId xmlns:a16="http://schemas.microsoft.com/office/drawing/2014/main" id="{4B4A73B1-013D-5F86-AA10-124D92AD97DE}"/>
+              </a:ext>
+            </a:extLst>
+          </p:cNvPr>
+          <p:cNvSpPr/>
+          <p:nvPr/>
+        </p:nvSpPr>
+        <p:spPr>
+          <a:xfrm>
+            <a:off x="6365734" y="1889575"/>
+            <a:ext cx="1700676" cy="914400"/>
+          </a:xfrm>
+          <a:prstGeom prst="rect">
+            <a:avLst/>
+          </a:prstGeom>
+          <a:solidFill>
+            <a:srgbClr val="FF0000"/>
+          </a:solidFill>
+        </p:spPr>
+        <p:style>
+          <a:lnRef idx="2">
+            <a:schemeClr val="accent1">
+              <a:shade val="15000"/>
+            </a:schemeClr>
+          </a:lnRef>
+          <a:fillRef idx="1">
+            <a:schemeClr val="accent1"/>
+          </a:fillRef>
+          <a:effectRef idx="0">
+            <a:schemeClr val="accent1"/>
+          </a:effectRef>
+          <a:fontRef idx="minor">
+            <a:schemeClr val="lt1"/>
+          </a:fontRef>
+        </p:style>
+        <p:txBody>
+          <a:bodyPr rtlCol="0" anchor="ctr"/>
+          <a:lstStyle/>
+          <a:p>
+            <a:pPr algn="ctr"/>
+            <a:r>
+              <a:rPr lang="de-DE" dirty="0" err="1"/>
+              <a:t>Şeytan</a:t>
+            </a:r>
+            <a:r>
+              <a:rPr lang="de-DE" dirty="0"/>
+              <a:t>/</a:t>
+            </a:r>
+          </a:p>
+          <a:p>
+            <a:pPr algn="ctr"/>
+            <a:r>
+              <a:rPr lang="de-DE" dirty="0" err="1"/>
+              <a:t>düşman</a:t>
+            </a:r>
+            <a:r>
+              <a:rPr lang="de-DE" dirty="0"/>
+              <a:t> </a:t>
+            </a:r>
+            <a:r>
+              <a:rPr lang="de-DE" dirty="0" err="1"/>
+              <a:t>saldırısı</a:t>
+            </a:r>
+            <a:endParaRPr lang="de-DE" dirty="0"/>
+          </a:p>
+        </p:txBody>
+      </p:sp>
+      <p:sp>
+        <p:nvSpPr>
+          <p:cNvPr id="14" name="Rechteck 13">
+            <a:extLst>
+              <a:ext uri="{FF2B5EF4-FFF2-40B4-BE49-F238E27FC236}">
+                <a16:creationId xmlns:a16="http://schemas.microsoft.com/office/drawing/2014/main" id="{CAC7FCBD-6307-C463-5ADE-C35E91B68ADB}"/>
+              </a:ext>
+            </a:extLst>
+          </p:cNvPr>
+          <p:cNvSpPr/>
+          <p:nvPr/>
+        </p:nvSpPr>
+        <p:spPr>
+          <a:xfrm>
+            <a:off x="585408" y="3429000"/>
+            <a:ext cx="1550890" cy="914400"/>
+          </a:xfrm>
+          <a:prstGeom prst="rect">
+            <a:avLst/>
+          </a:prstGeom>
+          <a:solidFill>
+            <a:srgbClr val="00B050"/>
+          </a:solidFill>
+        </p:spPr>
+        <p:style>
+          <a:lnRef idx="2">
+            <a:schemeClr val="accent1">
+              <a:shade val="15000"/>
+            </a:schemeClr>
+          </a:lnRef>
+          <a:fillRef idx="1">
+            <a:schemeClr val="accent1"/>
+          </a:fillRef>
+          <a:effectRef idx="0">
+            <a:schemeClr val="accent1"/>
+          </a:effectRef>
+          <a:fontRef idx="minor">
+            <a:schemeClr val="lt1"/>
+          </a:fontRef>
+        </p:style>
+        <p:txBody>
+          <a:bodyPr rtlCol="0" anchor="ctr"/>
+          <a:lstStyle/>
+          <a:p>
+            <a:pPr algn="ctr"/>
+            <a:r>
+              <a:rPr lang="de-DE" dirty="0" err="1"/>
+              <a:t>İsa'nın</a:t>
+            </a:r>
+            <a:r>
+              <a:rPr lang="de-DE" dirty="0"/>
+              <a:t> </a:t>
+            </a:r>
+            <a:r>
+              <a:rPr lang="de-DE" dirty="0" err="1"/>
+              <a:t>itaati</a:t>
+            </a:r>
+            <a:endParaRPr lang="de-DE" dirty="0"/>
+          </a:p>
+        </p:txBody>
+      </p:sp>
+      <p:sp>
+        <p:nvSpPr>
+          <p:cNvPr id="15" name="Rechteck 14">
+            <a:extLst>
+              <a:ext uri="{FF2B5EF4-FFF2-40B4-BE49-F238E27FC236}">
+                <a16:creationId xmlns:a16="http://schemas.microsoft.com/office/drawing/2014/main" id="{991BE401-8B53-FA2F-EB32-7A99B42647C5}"/>
+              </a:ext>
+            </a:extLst>
+          </p:cNvPr>
+          <p:cNvSpPr/>
+          <p:nvPr/>
+        </p:nvSpPr>
+        <p:spPr>
+          <a:xfrm>
+            <a:off x="3515315" y="3429000"/>
+            <a:ext cx="1471401" cy="914400"/>
+          </a:xfrm>
+          <a:prstGeom prst="rect">
+            <a:avLst/>
+          </a:prstGeom>
+          <a:solidFill>
+            <a:srgbClr val="00B050"/>
+          </a:solidFill>
+        </p:spPr>
+        <p:style>
+          <a:lnRef idx="2">
+            <a:schemeClr val="accent1">
+              <a:shade val="15000"/>
+            </a:schemeClr>
+          </a:lnRef>
+          <a:fillRef idx="1">
+            <a:schemeClr val="accent1"/>
+          </a:fillRef>
+          <a:effectRef idx="0">
+            <a:schemeClr val="accent1"/>
+          </a:effectRef>
+          <a:fontRef idx="minor">
+            <a:schemeClr val="lt1"/>
+          </a:fontRef>
+        </p:style>
+        <p:txBody>
+          <a:bodyPr rtlCol="0" anchor="ctr"/>
+          <a:lstStyle/>
+          <a:p>
+            <a:pPr algn="ctr"/>
+            <a:r>
+              <a:rPr lang="de-DE" dirty="0" err="1"/>
+              <a:t>Tanrı</a:t>
+            </a:r>
+            <a:r>
+              <a:rPr lang="de-DE" dirty="0"/>
+              <a:t> </a:t>
+            </a:r>
+            <a:r>
+              <a:rPr lang="de-DE" dirty="0" err="1"/>
+              <a:t>orada</a:t>
+            </a:r>
+            <a:endParaRPr lang="de-DE" dirty="0"/>
+          </a:p>
+        </p:txBody>
+      </p:sp>
+      <p:sp>
+        <p:nvSpPr>
+          <p:cNvPr id="16" name="Rechteck 15">
+            <a:extLst>
+              <a:ext uri="{FF2B5EF4-FFF2-40B4-BE49-F238E27FC236}">
+                <a16:creationId xmlns:a16="http://schemas.microsoft.com/office/drawing/2014/main" id="{268D19A6-7667-E932-2D5C-8A86F30CCB18}"/>
+              </a:ext>
+            </a:extLst>
+          </p:cNvPr>
+          <p:cNvSpPr/>
+          <p:nvPr/>
+        </p:nvSpPr>
+        <p:spPr>
+          <a:xfrm>
+            <a:off x="6365732" y="3429000"/>
+            <a:ext cx="1700676" cy="914400"/>
+          </a:xfrm>
+          <a:prstGeom prst="rect">
+            <a:avLst/>
+          </a:prstGeom>
+          <a:solidFill>
+            <a:srgbClr val="00B050"/>
+          </a:solidFill>
+        </p:spPr>
+        <p:style>
+          <a:lnRef idx="2">
+            <a:schemeClr val="accent1">
+              <a:shade val="15000"/>
+            </a:schemeClr>
+          </a:lnRef>
+          <a:fillRef idx="1">
+            <a:schemeClr val="accent1"/>
+          </a:fillRef>
+          <a:effectRef idx="0">
+            <a:schemeClr val="accent1"/>
+          </a:effectRef>
+          <a:fontRef idx="minor">
+            <a:schemeClr val="lt1"/>
+          </a:fontRef>
+        </p:style>
+        <p:txBody>
+          <a:bodyPr rtlCol="0" anchor="ctr"/>
+          <a:lstStyle/>
+          <a:p>
+            <a:pPr algn="ctr"/>
+            <a:r>
+              <a:rPr lang="de-DE" dirty="0" err="1"/>
+              <a:t>Şeytan</a:t>
+            </a:r>
+            <a:r>
+              <a:rPr lang="de-DE" dirty="0"/>
+              <a:t> </a:t>
+            </a:r>
+            <a:r>
+              <a:rPr lang="de-DE" dirty="0" err="1"/>
+              <a:t>tahttan</a:t>
+            </a:r>
+            <a:r>
+              <a:rPr lang="de-DE" dirty="0"/>
+              <a:t> </a:t>
+            </a:r>
+            <a:r>
+              <a:rPr lang="de-DE" dirty="0" err="1"/>
+              <a:t>indirildi</a:t>
+            </a:r>
+            <a:endParaRPr lang="de-DE" dirty="0"/>
+          </a:p>
+        </p:txBody>
+      </p:sp>
+      <p:sp>
+        <p:nvSpPr>
+          <p:cNvPr id="17" name="Rechteck 16">
+            <a:extLst>
+              <a:ext uri="{FF2B5EF4-FFF2-40B4-BE49-F238E27FC236}">
+                <a16:creationId xmlns:a16="http://schemas.microsoft.com/office/drawing/2014/main" id="{3810D38B-C7FD-4572-918B-D5CCC24A43C3}"/>
+              </a:ext>
+            </a:extLst>
+          </p:cNvPr>
+          <p:cNvSpPr/>
+          <p:nvPr/>
+        </p:nvSpPr>
+        <p:spPr>
+          <a:xfrm>
+            <a:off x="9749554" y="3429000"/>
+            <a:ext cx="1471401" cy="914400"/>
+          </a:xfrm>
+          <a:prstGeom prst="rect">
+            <a:avLst/>
+          </a:prstGeom>
+          <a:solidFill>
+            <a:srgbClr val="FF0000"/>
+          </a:solidFill>
+        </p:spPr>
+        <p:style>
+          <a:lnRef idx="2">
+            <a:schemeClr val="accent1">
+              <a:shade val="15000"/>
+            </a:schemeClr>
+          </a:lnRef>
+          <a:fillRef idx="1">
+            <a:schemeClr val="accent1"/>
+          </a:fillRef>
+          <a:effectRef idx="0">
+            <a:schemeClr val="accent1"/>
+          </a:effectRef>
+          <a:fontRef idx="minor">
+            <a:schemeClr val="lt1"/>
+          </a:fontRef>
+        </p:style>
+        <p:txBody>
+          <a:bodyPr rtlCol="0" anchor="ctr"/>
+          <a:lstStyle/>
+          <a:p>
+            <a:pPr algn="ctr"/>
+            <a:r>
+              <a:rPr lang="de-DE" dirty="0" err="1"/>
+              <a:t>Şeytan</a:t>
+            </a:r>
+            <a:r>
+              <a:rPr lang="de-DE" dirty="0"/>
+              <a:t> </a:t>
+            </a:r>
+            <a:r>
+              <a:rPr lang="de-DE"/>
+              <a:t>acımasız</a:t>
+            </a:r>
+            <a:endParaRPr lang="de-DE" dirty="0"/>
+          </a:p>
+        </p:txBody>
+      </p:sp>
+      <p:sp>
+        <p:nvSpPr>
+          <p:cNvPr id="18" name="Rechteck 17">
+            <a:extLst>
+              <a:ext uri="{FF2B5EF4-FFF2-40B4-BE49-F238E27FC236}">
+                <a16:creationId xmlns:a16="http://schemas.microsoft.com/office/drawing/2014/main" id="{C021A83E-00A8-7096-E12F-7326D6D830D0}"/>
+              </a:ext>
+            </a:extLst>
+          </p:cNvPr>
+          <p:cNvSpPr/>
+          <p:nvPr/>
+        </p:nvSpPr>
+        <p:spPr>
+          <a:xfrm>
+            <a:off x="577316" y="4968425"/>
+            <a:ext cx="1550890" cy="914400"/>
+          </a:xfrm>
+          <a:prstGeom prst="rect">
+            <a:avLst/>
+          </a:prstGeom>
+          <a:solidFill>
+            <a:srgbClr val="0070C0"/>
+          </a:solidFill>
+        </p:spPr>
+        <p:style>
+          <a:lnRef idx="2">
+            <a:schemeClr val="accent1">
+              <a:shade val="15000"/>
+            </a:schemeClr>
+          </a:lnRef>
+          <a:fillRef idx="1">
+            <a:schemeClr val="accent1"/>
+          </a:fillRef>
+          <a:effectRef idx="0">
+            <a:schemeClr val="accent1"/>
+          </a:effectRef>
+          <a:fontRef idx="minor">
+            <a:schemeClr val="lt1"/>
+          </a:fontRef>
+        </p:style>
+        <p:txBody>
+          <a:bodyPr rtlCol="0" anchor="ctr"/>
+          <a:lstStyle/>
+          <a:p>
+            <a:pPr algn="ctr"/>
+            <a:r>
+              <a:rPr lang="de-DE" dirty="0" err="1"/>
+              <a:t>Kilise</a:t>
+            </a:r>
+            <a:r>
+              <a:rPr lang="de-DE" dirty="0"/>
+              <a:t> </a:t>
+            </a:r>
+            <a:r>
+              <a:rPr lang="de-DE" dirty="0" err="1"/>
+              <a:t>var</a:t>
+            </a:r>
+            <a:endParaRPr lang="de-DE" dirty="0"/>
+          </a:p>
+        </p:txBody>
+      </p:sp>
+      <p:sp>
+        <p:nvSpPr>
+          <p:cNvPr id="19" name="Rechteck 18">
+            <a:extLst>
+              <a:ext uri="{FF2B5EF4-FFF2-40B4-BE49-F238E27FC236}">
+                <a16:creationId xmlns:a16="http://schemas.microsoft.com/office/drawing/2014/main" id="{9813C835-0146-7DF2-F367-5C62C0881F06}"/>
+              </a:ext>
+            </a:extLst>
+          </p:cNvPr>
+          <p:cNvSpPr/>
+          <p:nvPr/>
+        </p:nvSpPr>
+        <p:spPr>
+          <a:xfrm>
+            <a:off x="6365732" y="4968425"/>
+            <a:ext cx="1700676" cy="914400"/>
+          </a:xfrm>
+          <a:prstGeom prst="rect">
+            <a:avLst/>
+          </a:prstGeom>
+          <a:solidFill>
+            <a:srgbClr val="FF0000"/>
+          </a:solidFill>
+        </p:spPr>
+        <p:style>
+          <a:lnRef idx="2">
+            <a:schemeClr val="accent1">
+              <a:shade val="15000"/>
+            </a:schemeClr>
+          </a:lnRef>
+          <a:fillRef idx="1">
+            <a:schemeClr val="accent1"/>
+          </a:fillRef>
+          <a:effectRef idx="0">
+            <a:schemeClr val="accent1"/>
+          </a:effectRef>
+          <a:fontRef idx="minor">
+            <a:schemeClr val="lt1"/>
+          </a:fontRef>
+        </p:style>
+        <p:txBody>
+          <a:bodyPr rtlCol="0" anchor="ctr"/>
+          <a:lstStyle/>
+          <a:p>
+            <a:pPr algn="ctr"/>
+            <a:r>
+              <a:rPr lang="de-DE" dirty="0" err="1"/>
+              <a:t>Şeytan</a:t>
+            </a:r>
+            <a:r>
+              <a:rPr lang="de-DE" dirty="0"/>
+              <a:t> </a:t>
+            </a:r>
+            <a:r>
+              <a:rPr lang="de-DE" dirty="0" err="1"/>
+              <a:t>saldırılar</a:t>
+            </a:r>
+            <a:endParaRPr lang="de-DE" dirty="0"/>
+          </a:p>
+        </p:txBody>
+      </p:sp>
+      <p:sp>
+        <p:nvSpPr>
+          <p:cNvPr id="20" name="Rechteck 19">
+            <a:extLst>
+              <a:ext uri="{FF2B5EF4-FFF2-40B4-BE49-F238E27FC236}">
+                <a16:creationId xmlns:a16="http://schemas.microsoft.com/office/drawing/2014/main" id="{6859414E-AB63-5583-4CD0-2DDFCAB596A8}"/>
+              </a:ext>
+            </a:extLst>
+          </p:cNvPr>
+          <p:cNvSpPr/>
+          <p:nvPr/>
+        </p:nvSpPr>
+        <p:spPr>
+          <a:xfrm>
+            <a:off x="9749553" y="4968425"/>
+            <a:ext cx="1471401" cy="914400"/>
+          </a:xfrm>
+          <a:prstGeom prst="rect">
+            <a:avLst/>
+          </a:prstGeom>
+          <a:gradFill>
+            <a:gsLst>
+              <a:gs pos="0">
+                <a:srgbClr val="FF0000"/>
+              </a:gs>
+              <a:gs pos="100000">
+                <a:srgbClr val="00B050"/>
+              </a:gs>
+            </a:gsLst>
+            <a:lin ang="3000000" scaled="0"/>
+          </a:gradFill>
+        </p:spPr>
+        <p:style>
+          <a:lnRef idx="2">
+            <a:schemeClr val="accent1">
+              <a:shade val="15000"/>
+            </a:schemeClr>
+          </a:lnRef>
+          <a:fillRef idx="1">
+            <a:schemeClr val="accent1"/>
+          </a:fillRef>
+          <a:effectRef idx="0">
+            <a:schemeClr val="accent1"/>
+          </a:effectRef>
+          <a:fontRef idx="minor">
+            <a:schemeClr val="lt1"/>
+          </a:fontRef>
+        </p:style>
+        <p:txBody>
+          <a:bodyPr rtlCol="0" anchor="ctr"/>
+          <a:lstStyle/>
+          <a:p>
+            <a:pPr algn="ctr"/>
+            <a:r>
+              <a:rPr lang="de-DE" dirty="0" err="1"/>
+              <a:t>Acı</a:t>
+            </a:r>
+            <a:r>
+              <a:rPr lang="de-DE" dirty="0"/>
+              <a:t> </a:t>
+            </a:r>
+            <a:r>
+              <a:rPr lang="de-DE" dirty="0" err="1"/>
+              <a:t>çekmek</a:t>
+            </a:r>
+            <a:endParaRPr lang="de-DE" dirty="0"/>
+          </a:p>
+        </p:txBody>
+      </p:sp>
+      <p:sp>
+        <p:nvSpPr>
+          <p:cNvPr id="21" name="Rechteck 20">
+            <a:extLst>
+              <a:ext uri="{FF2B5EF4-FFF2-40B4-BE49-F238E27FC236}">
+                <a16:creationId xmlns:a16="http://schemas.microsoft.com/office/drawing/2014/main" id="{2B4964F1-F34C-414B-EFBD-6619CC4B1DE3}"/>
+              </a:ext>
+            </a:extLst>
+          </p:cNvPr>
+          <p:cNvSpPr/>
+          <p:nvPr/>
+        </p:nvSpPr>
+        <p:spPr>
+          <a:xfrm>
+            <a:off x="3515314" y="4968425"/>
+            <a:ext cx="1471401" cy="914400"/>
+          </a:xfrm>
+          <a:prstGeom prst="rect">
+            <a:avLst/>
+          </a:prstGeom>
+          <a:solidFill>
+            <a:srgbClr val="00B050"/>
+          </a:solidFill>
+        </p:spPr>
+        <p:style>
+          <a:lnRef idx="2">
+            <a:schemeClr val="accent1">
+              <a:shade val="15000"/>
+            </a:schemeClr>
+          </a:lnRef>
+          <a:fillRef idx="1">
+            <a:schemeClr val="accent1"/>
+          </a:fillRef>
+          <a:effectRef idx="0">
+            <a:schemeClr val="accent1"/>
+          </a:effectRef>
+          <a:fontRef idx="minor">
+            <a:schemeClr val="lt1"/>
+          </a:fontRef>
+        </p:style>
+        <p:txBody>
+          <a:bodyPr rtlCol="0" anchor="ctr"/>
+          <a:lstStyle/>
+          <a:p>
+            <a:pPr algn="ctr"/>
+            <a:r>
+              <a:rPr lang="de-DE" dirty="0" err="1"/>
+              <a:t>Tanrı</a:t>
+            </a:r>
+            <a:r>
+              <a:rPr lang="de-DE" dirty="0"/>
+              <a:t> </a:t>
+            </a:r>
+            <a:r>
+              <a:rPr lang="de-DE" dirty="0" err="1"/>
+              <a:t>mühürler</a:t>
+            </a:r>
+            <a:endParaRPr lang="de-DE" dirty="0"/>
+          </a:p>
+        </p:txBody>
+      </p:sp>
+      <p:cxnSp>
+        <p:nvCxnSpPr>
+          <p:cNvPr id="23" name="Gerade Verbindung mit Pfeil 22">
+            <a:extLst>
+              <a:ext uri="{FF2B5EF4-FFF2-40B4-BE49-F238E27FC236}">
+                <a16:creationId xmlns:a16="http://schemas.microsoft.com/office/drawing/2014/main" id="{7D6E79EE-B496-C6BC-733A-A30116AC34C4}"/>
+              </a:ext>
+            </a:extLst>
+          </p:cNvPr>
+          <p:cNvCxnSpPr>
+            <a:cxnSpLocks/>
+            <a:stCxn id="4" idx="3"/>
+            <a:endCxn id="9" idx="1"/>
+          </p:cNvCxnSpPr>
+          <p:nvPr/>
+        </p:nvCxnSpPr>
+        <p:spPr>
+          <a:xfrm>
+            <a:off x="2136298" y="1110042"/>
+            <a:ext cx="1379017" cy="0"/>
+          </a:xfrm>
+          <a:prstGeom prst="straightConnector1">
+            <a:avLst/>
+          </a:prstGeom>
+          <a:ln>
+            <a:tailEnd type="triangle"/>
+          </a:ln>
+        </p:spPr>
+        <p:style>
+          <a:lnRef idx="2">
+            <a:schemeClr val="accent1"/>
+          </a:lnRef>
+          <a:fillRef idx="0">
+            <a:schemeClr val="accent1"/>
+          </a:fillRef>
+          <a:effectRef idx="1">
+            <a:schemeClr val="accent1"/>
+          </a:effectRef>
+          <a:fontRef idx="minor">
+            <a:schemeClr val="tx1"/>
+          </a:fontRef>
+        </p:style>
+      </p:cxnSp>
+      <p:cxnSp>
+        <p:nvCxnSpPr>
+          <p:cNvPr id="26" name="Gerade Verbindung mit Pfeil 25">
+            <a:extLst>
+              <a:ext uri="{FF2B5EF4-FFF2-40B4-BE49-F238E27FC236}">
+                <a16:creationId xmlns:a16="http://schemas.microsoft.com/office/drawing/2014/main" id="{52D720A2-AF8A-C924-EB16-4F9F65DA099E}"/>
+              </a:ext>
+            </a:extLst>
+          </p:cNvPr>
+          <p:cNvCxnSpPr>
+            <a:cxnSpLocks/>
+            <a:stCxn id="9" idx="3"/>
+            <a:endCxn id="8" idx="1"/>
+          </p:cNvCxnSpPr>
+          <p:nvPr/>
+        </p:nvCxnSpPr>
+        <p:spPr>
+          <a:xfrm>
+            <a:off x="4986716" y="1110042"/>
+            <a:ext cx="1379018" cy="0"/>
+          </a:xfrm>
+          <a:prstGeom prst="straightConnector1">
+            <a:avLst/>
+          </a:prstGeom>
+          <a:ln>
+            <a:tailEnd type="triangle"/>
+          </a:ln>
+        </p:spPr>
+        <p:style>
+          <a:lnRef idx="2">
+            <a:schemeClr val="accent1"/>
+          </a:lnRef>
+          <a:fillRef idx="0">
+            <a:schemeClr val="accent1"/>
+          </a:fillRef>
+          <a:effectRef idx="1">
+            <a:schemeClr val="accent1"/>
+          </a:effectRef>
+          <a:fontRef idx="minor">
+            <a:schemeClr val="tx1"/>
+          </a:fontRef>
+        </p:style>
+      </p:cxnSp>
+      <p:cxnSp>
+        <p:nvCxnSpPr>
+          <p:cNvPr id="27" name="Gerade Verbindung mit Pfeil 26">
+            <a:extLst>
+              <a:ext uri="{FF2B5EF4-FFF2-40B4-BE49-F238E27FC236}">
+                <a16:creationId xmlns:a16="http://schemas.microsoft.com/office/drawing/2014/main" id="{AF8F4292-7C2C-0945-FD8D-AC0F01D6422A}"/>
+              </a:ext>
+            </a:extLst>
+          </p:cNvPr>
+          <p:cNvCxnSpPr>
+            <a:cxnSpLocks/>
+            <a:stCxn id="8" idx="3"/>
+            <a:endCxn id="11" idx="1"/>
+          </p:cNvCxnSpPr>
+          <p:nvPr/>
+        </p:nvCxnSpPr>
+        <p:spPr>
+          <a:xfrm>
+            <a:off x="8066410" y="1110042"/>
+            <a:ext cx="1683144" cy="0"/>
+          </a:xfrm>
+          <a:prstGeom prst="straightConnector1">
+            <a:avLst/>
+          </a:prstGeom>
+          <a:ln>
+            <a:tailEnd type="triangle"/>
+          </a:ln>
+        </p:spPr>
+        <p:style>
+          <a:lnRef idx="2">
+            <a:schemeClr val="accent1"/>
+          </a:lnRef>
+          <a:fillRef idx="0">
+            <a:schemeClr val="accent1"/>
+          </a:fillRef>
+          <a:effectRef idx="1">
+            <a:schemeClr val="accent1"/>
+          </a:effectRef>
+          <a:fontRef idx="minor">
+            <a:schemeClr val="tx1"/>
+          </a:fontRef>
+        </p:style>
+      </p:cxnSp>
+      <p:cxnSp>
+        <p:nvCxnSpPr>
+          <p:cNvPr id="28" name="Gerade Verbindung mit Pfeil 27">
+            <a:extLst>
+              <a:ext uri="{FF2B5EF4-FFF2-40B4-BE49-F238E27FC236}">
+                <a16:creationId xmlns:a16="http://schemas.microsoft.com/office/drawing/2014/main" id="{2368F81A-A319-7D47-45FF-F72A3CE3390C}"/>
+              </a:ext>
+            </a:extLst>
+          </p:cNvPr>
+          <p:cNvCxnSpPr>
+            <a:cxnSpLocks/>
+            <a:stCxn id="10" idx="3"/>
+            <a:endCxn id="12" idx="1"/>
+          </p:cNvCxnSpPr>
+          <p:nvPr/>
+        </p:nvCxnSpPr>
+        <p:spPr>
+          <a:xfrm>
+            <a:off x="2128206" y="2346775"/>
+            <a:ext cx="1387109" cy="0"/>
+          </a:xfrm>
+          <a:prstGeom prst="straightConnector1">
+            <a:avLst/>
+          </a:prstGeom>
+          <a:ln>
+            <a:tailEnd type="triangle"/>
+          </a:ln>
+        </p:spPr>
+        <p:style>
+          <a:lnRef idx="2">
+            <a:schemeClr val="accent1"/>
+          </a:lnRef>
+          <a:fillRef idx="0">
+            <a:schemeClr val="accent1"/>
+          </a:fillRef>
+          <a:effectRef idx="1">
+            <a:schemeClr val="accent1"/>
+          </a:effectRef>
+          <a:fontRef idx="minor">
+            <a:schemeClr val="tx1"/>
+          </a:fontRef>
+        </p:style>
+      </p:cxnSp>
+      <p:cxnSp>
+        <p:nvCxnSpPr>
+          <p:cNvPr id="29" name="Gerade Verbindung mit Pfeil 28">
+            <a:extLst>
+              <a:ext uri="{FF2B5EF4-FFF2-40B4-BE49-F238E27FC236}">
+                <a16:creationId xmlns:a16="http://schemas.microsoft.com/office/drawing/2014/main" id="{08F757FF-7B95-0631-3135-BAB8ED4AADCE}"/>
+              </a:ext>
+            </a:extLst>
+          </p:cNvPr>
+          <p:cNvCxnSpPr>
+            <a:cxnSpLocks/>
+            <a:stCxn id="12" idx="3"/>
+            <a:endCxn id="13" idx="1"/>
+          </p:cNvCxnSpPr>
+          <p:nvPr/>
+        </p:nvCxnSpPr>
+        <p:spPr>
+          <a:xfrm>
+            <a:off x="4986716" y="2346775"/>
+            <a:ext cx="1379018" cy="0"/>
+          </a:xfrm>
+          <a:prstGeom prst="straightConnector1">
+            <a:avLst/>
+          </a:prstGeom>
+          <a:ln>
+            <a:tailEnd type="triangle"/>
+          </a:ln>
+        </p:spPr>
+        <p:style>
+          <a:lnRef idx="2">
+            <a:schemeClr val="accent1"/>
+          </a:lnRef>
+          <a:fillRef idx="0">
+            <a:schemeClr val="accent1"/>
+          </a:fillRef>
+          <a:effectRef idx="1">
+            <a:schemeClr val="accent1"/>
+          </a:effectRef>
+          <a:fontRef idx="minor">
+            <a:schemeClr val="tx1"/>
+          </a:fontRef>
+        </p:style>
+      </p:cxnSp>
+      <p:cxnSp>
+        <p:nvCxnSpPr>
+          <p:cNvPr id="30" name="Gerade Verbindung mit Pfeil 29">
+            <a:extLst>
+              <a:ext uri="{FF2B5EF4-FFF2-40B4-BE49-F238E27FC236}">
+                <a16:creationId xmlns:a16="http://schemas.microsoft.com/office/drawing/2014/main" id="{D2AAC07E-818B-4328-D713-7CBC2F7167CB}"/>
+              </a:ext>
+            </a:extLst>
+          </p:cNvPr>
+          <p:cNvCxnSpPr>
+            <a:cxnSpLocks/>
+            <a:stCxn id="13" idx="3"/>
+            <a:endCxn id="5" idx="1"/>
+          </p:cNvCxnSpPr>
+          <p:nvPr/>
+        </p:nvCxnSpPr>
+        <p:spPr>
+          <a:xfrm>
+            <a:off x="8066410" y="2346775"/>
+            <a:ext cx="1683144" cy="0"/>
+          </a:xfrm>
+          <a:prstGeom prst="straightConnector1">
+            <a:avLst/>
+          </a:prstGeom>
+          <a:ln>
+            <a:tailEnd type="triangle"/>
+          </a:ln>
+        </p:spPr>
+        <p:style>
+          <a:lnRef idx="2">
+            <a:schemeClr val="accent1"/>
+          </a:lnRef>
+          <a:fillRef idx="0">
+            <a:schemeClr val="accent1"/>
+          </a:fillRef>
+          <a:effectRef idx="1">
+            <a:schemeClr val="accent1"/>
+          </a:effectRef>
+          <a:fontRef idx="minor">
+            <a:schemeClr val="tx1"/>
+          </a:fontRef>
+        </p:style>
+      </p:cxnSp>
+      <p:cxnSp>
+        <p:nvCxnSpPr>
+          <p:cNvPr id="31" name="Gerade Verbindung mit Pfeil 30">
+            <a:extLst>
+              <a:ext uri="{FF2B5EF4-FFF2-40B4-BE49-F238E27FC236}">
+                <a16:creationId xmlns:a16="http://schemas.microsoft.com/office/drawing/2014/main" id="{63EFBF53-21D8-DA73-8C7D-9EF3196A898C}"/>
+              </a:ext>
+            </a:extLst>
+          </p:cNvPr>
+          <p:cNvCxnSpPr>
+            <a:cxnSpLocks/>
+            <a:stCxn id="14" idx="3"/>
+            <a:endCxn id="15" idx="1"/>
+          </p:cNvCxnSpPr>
+          <p:nvPr/>
+        </p:nvCxnSpPr>
+        <p:spPr>
+          <a:xfrm>
+            <a:off x="2136298" y="3886200"/>
+            <a:ext cx="1379017" cy="0"/>
+          </a:xfrm>
+          <a:prstGeom prst="straightConnector1">
+            <a:avLst/>
+          </a:prstGeom>
+          <a:ln>
+            <a:tailEnd type="triangle"/>
+          </a:ln>
+        </p:spPr>
+        <p:style>
+          <a:lnRef idx="2">
+            <a:schemeClr val="accent1"/>
+          </a:lnRef>
+          <a:fillRef idx="0">
+            <a:schemeClr val="accent1"/>
+          </a:fillRef>
+          <a:effectRef idx="1">
+            <a:schemeClr val="accent1"/>
+          </a:effectRef>
+          <a:fontRef idx="minor">
+            <a:schemeClr val="tx1"/>
+          </a:fontRef>
+        </p:style>
+      </p:cxnSp>
+      <p:cxnSp>
+        <p:nvCxnSpPr>
+          <p:cNvPr id="32" name="Gerade Verbindung mit Pfeil 31">
+            <a:extLst>
+              <a:ext uri="{FF2B5EF4-FFF2-40B4-BE49-F238E27FC236}">
+                <a16:creationId xmlns:a16="http://schemas.microsoft.com/office/drawing/2014/main" id="{ADA158AD-5BCA-99EA-396D-2A32F17B9813}"/>
+              </a:ext>
+            </a:extLst>
+          </p:cNvPr>
+          <p:cNvCxnSpPr>
+            <a:cxnSpLocks/>
+            <a:stCxn id="15" idx="3"/>
+            <a:endCxn id="16" idx="1"/>
+          </p:cNvCxnSpPr>
+          <p:nvPr/>
+        </p:nvCxnSpPr>
+        <p:spPr>
+          <a:xfrm>
+            <a:off x="4986716" y="3886200"/>
+            <a:ext cx="1379016" cy="0"/>
+          </a:xfrm>
+          <a:prstGeom prst="straightConnector1">
+            <a:avLst/>
+          </a:prstGeom>
+          <a:ln>
+            <a:tailEnd type="triangle"/>
+          </a:ln>
+        </p:spPr>
+        <p:style>
+          <a:lnRef idx="2">
+            <a:schemeClr val="accent1"/>
+          </a:lnRef>
+          <a:fillRef idx="0">
+            <a:schemeClr val="accent1"/>
+          </a:fillRef>
+          <a:effectRef idx="1">
+            <a:schemeClr val="accent1"/>
+          </a:effectRef>
+          <a:fontRef idx="minor">
+            <a:schemeClr val="tx1"/>
+          </a:fontRef>
+        </p:style>
+      </p:cxnSp>
+      <p:cxnSp>
+        <p:nvCxnSpPr>
+          <p:cNvPr id="33" name="Gerade Verbindung mit Pfeil 32">
+            <a:extLst>
+              <a:ext uri="{FF2B5EF4-FFF2-40B4-BE49-F238E27FC236}">
+                <a16:creationId xmlns:a16="http://schemas.microsoft.com/office/drawing/2014/main" id="{BA1D9F9C-6230-EF10-A5EC-5DFB84EBFB37}"/>
+              </a:ext>
+            </a:extLst>
+          </p:cNvPr>
+          <p:cNvCxnSpPr>
+            <a:cxnSpLocks/>
+            <a:stCxn id="16" idx="3"/>
+            <a:endCxn id="17" idx="1"/>
+          </p:cNvCxnSpPr>
+          <p:nvPr/>
+        </p:nvCxnSpPr>
+        <p:spPr>
+          <a:xfrm>
+            <a:off x="8066408" y="3886200"/>
+            <a:ext cx="1683146" cy="0"/>
+          </a:xfrm>
+          <a:prstGeom prst="straightConnector1">
+            <a:avLst/>
+          </a:prstGeom>
+          <a:ln>
+            <a:tailEnd type="triangle"/>
+          </a:ln>
+        </p:spPr>
+        <p:style>
+          <a:lnRef idx="2">
+            <a:schemeClr val="accent1"/>
+          </a:lnRef>
+          <a:fillRef idx="0">
+            <a:schemeClr val="accent1"/>
+          </a:fillRef>
+          <a:effectRef idx="1">
+            <a:schemeClr val="accent1"/>
+          </a:effectRef>
+          <a:fontRef idx="minor">
+            <a:schemeClr val="tx1"/>
+          </a:fontRef>
+        </p:style>
+      </p:cxnSp>
+      <p:cxnSp>
+        <p:nvCxnSpPr>
+          <p:cNvPr id="34" name="Gerade Verbindung mit Pfeil 33">
+            <a:extLst>
+              <a:ext uri="{FF2B5EF4-FFF2-40B4-BE49-F238E27FC236}">
+                <a16:creationId xmlns:a16="http://schemas.microsoft.com/office/drawing/2014/main" id="{61476907-6DAD-D074-FA54-30C4FE84F2E6}"/>
+              </a:ext>
+            </a:extLst>
+          </p:cNvPr>
+          <p:cNvCxnSpPr>
+            <a:cxnSpLocks/>
+            <a:stCxn id="18" idx="3"/>
+            <a:endCxn id="21" idx="1"/>
+          </p:cNvCxnSpPr>
+          <p:nvPr/>
+        </p:nvCxnSpPr>
+        <p:spPr>
+          <a:xfrm>
+            <a:off x="2128206" y="5425625"/>
+            <a:ext cx="1387108" cy="0"/>
+          </a:xfrm>
+          <a:prstGeom prst="straightConnector1">
+            <a:avLst/>
+          </a:prstGeom>
+          <a:ln>
+            <a:tailEnd type="triangle"/>
+          </a:ln>
+        </p:spPr>
+        <p:style>
+          <a:lnRef idx="2">
+            <a:schemeClr val="accent1"/>
+          </a:lnRef>
+          <a:fillRef idx="0">
+            <a:schemeClr val="accent1"/>
+          </a:fillRef>
+          <a:effectRef idx="1">
+            <a:schemeClr val="accent1"/>
+          </a:effectRef>
+          <a:fontRef idx="minor">
+            <a:schemeClr val="tx1"/>
+          </a:fontRef>
+        </p:style>
+      </p:cxnSp>
+      <p:cxnSp>
+        <p:nvCxnSpPr>
+          <p:cNvPr id="35" name="Gerade Verbindung mit Pfeil 34">
+            <a:extLst>
+              <a:ext uri="{FF2B5EF4-FFF2-40B4-BE49-F238E27FC236}">
+                <a16:creationId xmlns:a16="http://schemas.microsoft.com/office/drawing/2014/main" id="{2B8CE1B8-4F6A-9C8C-DFE3-9F26E5F65C78}"/>
+              </a:ext>
+            </a:extLst>
+          </p:cNvPr>
+          <p:cNvCxnSpPr>
+            <a:cxnSpLocks/>
+            <a:stCxn id="21" idx="3"/>
+            <a:endCxn id="19" idx="1"/>
+          </p:cNvCxnSpPr>
+          <p:nvPr/>
+        </p:nvCxnSpPr>
+        <p:spPr>
+          <a:xfrm>
+            <a:off x="4986715" y="5425625"/>
+            <a:ext cx="1379017" cy="0"/>
+          </a:xfrm>
+          <a:prstGeom prst="straightConnector1">
+            <a:avLst/>
+          </a:prstGeom>
+          <a:ln>
+            <a:tailEnd type="triangle"/>
+          </a:ln>
+        </p:spPr>
+        <p:style>
+          <a:lnRef idx="2">
+            <a:schemeClr val="accent1"/>
+          </a:lnRef>
+          <a:fillRef idx="0">
+            <a:schemeClr val="accent1"/>
+          </a:fillRef>
+          <a:effectRef idx="1">
+            <a:schemeClr val="accent1"/>
+          </a:effectRef>
+          <a:fontRef idx="minor">
+            <a:schemeClr val="tx1"/>
+          </a:fontRef>
+        </p:style>
+      </p:cxnSp>
+      <p:cxnSp>
+        <p:nvCxnSpPr>
+          <p:cNvPr id="57" name="Gerade Verbindung mit Pfeil 56">
+            <a:extLst>
+              <a:ext uri="{FF2B5EF4-FFF2-40B4-BE49-F238E27FC236}">
+                <a16:creationId xmlns:a16="http://schemas.microsoft.com/office/drawing/2014/main" id="{35059F10-0E3C-E099-5678-201EDC738A66}"/>
+              </a:ext>
+            </a:extLst>
+          </p:cNvPr>
+          <p:cNvCxnSpPr>
+            <a:cxnSpLocks/>
+            <a:stCxn id="19" idx="3"/>
+            <a:endCxn id="20" idx="1"/>
+          </p:cNvCxnSpPr>
+          <p:nvPr/>
+        </p:nvCxnSpPr>
+        <p:spPr>
+          <a:xfrm>
+            <a:off x="8066408" y="5425625"/>
+            <a:ext cx="1683145" cy="0"/>
+          </a:xfrm>
+          <a:prstGeom prst="straightConnector1">
+            <a:avLst/>
+          </a:prstGeom>
+          <a:ln>
+            <a:tailEnd type="triangle"/>
+          </a:ln>
+        </p:spPr>
+        <p:style>
+          <a:lnRef idx="2">
+            <a:schemeClr val="accent1"/>
+          </a:lnRef>
+          <a:fillRef idx="0">
+            <a:schemeClr val="accent1"/>
+          </a:fillRef>
+          <a:effectRef idx="1">
+            <a:schemeClr val="accent1"/>
+          </a:effectRef>
+          <a:fontRef idx="minor">
+            <a:schemeClr val="tx1"/>
+          </a:fontRef>
+        </p:style>
+      </p:cxnSp>
+      <p:cxnSp>
+        <p:nvCxnSpPr>
+          <p:cNvPr id="61" name="Verbinder: gewinkelt 60">
+            <a:extLst>
+              <a:ext uri="{FF2B5EF4-FFF2-40B4-BE49-F238E27FC236}">
+                <a16:creationId xmlns:a16="http://schemas.microsoft.com/office/drawing/2014/main" id="{D9CB3865-C653-3D57-A773-450151817DD4}"/>
+              </a:ext>
+            </a:extLst>
+          </p:cNvPr>
+          <p:cNvCxnSpPr>
+            <a:cxnSpLocks/>
+            <a:stCxn id="17" idx="2"/>
+            <a:endCxn id="21" idx="0"/>
+          </p:cNvCxnSpPr>
+          <p:nvPr/>
+        </p:nvCxnSpPr>
+        <p:spPr>
+          <a:xfrm rot="5400000">
+            <a:off x="7055623" y="1538792"/>
+            <a:ext cx="625025" cy="6234240"/>
+          </a:xfrm>
+          <a:prstGeom prst="bentConnector3">
+            <a:avLst/>
+          </a:prstGeom>
+          <a:ln>
+            <a:tailEnd type="triangle"/>
+          </a:ln>
+        </p:spPr>
+        <p:style>
+          <a:lnRef idx="2">
+            <a:schemeClr val="accent1"/>
+          </a:lnRef>
+          <a:fillRef idx="0">
+            <a:schemeClr val="accent1"/>
+          </a:fillRef>
+          <a:effectRef idx="1">
+            <a:schemeClr val="accent1"/>
+          </a:effectRef>
+          <a:fontRef idx="minor">
+            <a:schemeClr val="tx1"/>
+          </a:fontRef>
+        </p:style>
+      </p:cxnSp>
+    </p:spTree>
+    <p:extLst>
+      <p:ext uri="{BB962C8B-B14F-4D97-AF65-F5344CB8AC3E}">
+        <p14:creationId xmlns:p14="http://schemas.microsoft.com/office/powerpoint/2010/main" val="102011185"/>
       </p:ext>
     </p:extLst>
   </p:cSld>
